--- a/doc/assignment8/presentation.pptx
+++ b/doc/assignment8/presentation.pptx
@@ -4018,18 +4018,7 @@
                 <a:ea typeface="微软雅黑"/>
                 <a:cs typeface="微软雅黑"/>
               </a:rPr>
-              <a:t>次</a:t>
-            </a:r>
-            <a:r>
-              <a:rPr kumimoji="1" lang="zh-CN" altLang="en-US" sz="5400" dirty="0" smtClean="0">
-                <a:solidFill>
-                  <a:schemeClr val="bg1"/>
-                </a:solidFill>
-                <a:latin typeface="微软雅黑"/>
-                <a:ea typeface="微软雅黑"/>
-                <a:cs typeface="微软雅黑"/>
-              </a:rPr>
-              <a:t>实践</a:t>
+              <a:t>次实践</a:t>
             </a:r>
             <a:endParaRPr kumimoji="1" lang="zh-CN" altLang="en-US" sz="5400" dirty="0">
               <a:solidFill>
@@ -4365,103 +4354,6 @@
       </p:sp>
       <p:sp>
         <p:nvSpPr>
-          <p:cNvPr id="13" name="矩形 12"/>
-          <p:cNvSpPr/>
-          <p:nvPr/>
-        </p:nvSpPr>
-        <p:spPr>
-          <a:xfrm>
-            <a:off x="457200" y="117995"/>
-            <a:ext cx="1359897" cy="1068837"/>
-          </a:xfrm>
-          <a:prstGeom prst="rect">
-            <a:avLst/>
-          </a:prstGeom>
-          <a:solidFill>
-            <a:srgbClr val="219DC9"/>
-          </a:solidFill>
-          <a:ln>
-            <a:noFill/>
-          </a:ln>
-        </p:spPr>
-        <p:style>
-          <a:lnRef idx="2">
-            <a:schemeClr val="accent1">
-              <a:shade val="50000"/>
-            </a:schemeClr>
-          </a:lnRef>
-          <a:fillRef idx="1">
-            <a:schemeClr val="accent1"/>
-          </a:fillRef>
-          <a:effectRef idx="0">
-            <a:schemeClr val="accent1"/>
-          </a:effectRef>
-          <a:fontRef idx="minor">
-            <a:schemeClr val="lt1"/>
-          </a:fontRef>
-        </p:style>
-        <p:txBody>
-          <a:bodyPr rtlCol="0" anchor="ctr"/>
-          <a:lstStyle/>
-          <a:p>
-            <a:pPr algn="ctr"/>
-            <a:endParaRPr lang="zh-CN" altLang="en-US"/>
-          </a:p>
-        </p:txBody>
-      </p:sp>
-      <p:sp>
-        <p:nvSpPr>
-          <p:cNvPr id="14" name="矩形 13"/>
-          <p:cNvSpPr/>
-          <p:nvPr/>
-        </p:nvSpPr>
-        <p:spPr>
-          <a:xfrm>
-            <a:off x="446094" y="422506"/>
-            <a:ext cx="1324402" cy="646331"/>
-          </a:xfrm>
-          <a:prstGeom prst="rect">
-            <a:avLst/>
-          </a:prstGeom>
-        </p:spPr>
-        <p:txBody>
-          <a:bodyPr wrap="none">
-            <a:spAutoFit/>
-          </a:bodyPr>
-          <a:lstStyle/>
-          <a:p>
-            <a:r>
-              <a:rPr kumimoji="1" lang="zh-CN" altLang="en-US" sz="3600" b="1" dirty="0" smtClean="0">
-                <a:solidFill>
-                  <a:schemeClr val="bg1"/>
-                </a:solidFill>
-                <a:latin typeface="方正大黑_GBK" panose="03000509000000000000" pitchFamily="65" charset="-122"/>
-                <a:ea typeface="方正大黑_GBK" panose="03000509000000000000" pitchFamily="65" charset="-122"/>
-              </a:rPr>
-              <a:t>任务</a:t>
-            </a:r>
-            <a:r>
-              <a:rPr kumimoji="1" lang="en-US" altLang="zh-CN" sz="3600" b="1" dirty="0" smtClean="0">
-                <a:solidFill>
-                  <a:schemeClr val="bg1"/>
-                </a:solidFill>
-                <a:latin typeface="方正大黑_GBK" panose="03000509000000000000" pitchFamily="65" charset="-122"/>
-                <a:ea typeface="方正大黑_GBK" panose="03000509000000000000" pitchFamily="65" charset="-122"/>
-              </a:rPr>
-              <a:t>3</a:t>
-            </a:r>
-            <a:endParaRPr kumimoji="1" lang="zh-CN" altLang="en-US" sz="3600" b="1" dirty="0">
-              <a:solidFill>
-                <a:schemeClr val="bg1"/>
-              </a:solidFill>
-              <a:latin typeface="方正大黑_GBK" panose="03000509000000000000" pitchFamily="65" charset="-122"/>
-              <a:ea typeface="方正大黑_GBK" panose="03000509000000000000" pitchFamily="65" charset="-122"/>
-            </a:endParaRPr>
-          </a:p>
-        </p:txBody>
-      </p:sp>
-      <p:sp>
-        <p:nvSpPr>
           <p:cNvPr id="19" name="矩形 18"/>
           <p:cNvSpPr/>
           <p:nvPr/>
@@ -4469,7 +4361,7 @@
         <p:spPr>
           <a:xfrm>
             <a:off x="2087185" y="473398"/>
-            <a:ext cx="3098925" cy="646331"/>
+            <a:ext cx="3156633" cy="646331"/>
           </a:xfrm>
           <a:prstGeom prst="rect">
             <a:avLst/>
@@ -4489,8 +4381,8 @@
                     <a:lumOff val="40000"/>
                   </a:schemeClr>
                 </a:solidFill>
-                <a:latin typeface="方正大黑_GBK" panose="03000509000000000000" pitchFamily="65" charset="-122"/>
-                <a:ea typeface="方正大黑_GBK" panose="03000509000000000000" pitchFamily="65" charset="-122"/>
+                <a:latin typeface="微软雅黑" panose="020B0503020204020204" pitchFamily="34" charset="-122"/>
+                <a:ea typeface="微软雅黑" panose="020B0503020204020204" pitchFamily="34" charset="-122"/>
               </a:rPr>
               <a:t>论文排序</a:t>
             </a:r>
@@ -4502,8 +4394,8 @@
                     <a:lumOff val="40000"/>
                   </a:schemeClr>
                 </a:solidFill>
-                <a:latin typeface="方正大黑_GBK" panose="03000509000000000000" pitchFamily="65" charset="-122"/>
-                <a:ea typeface="方正大黑_GBK" panose="03000509000000000000" pitchFamily="65" charset="-122"/>
+                <a:latin typeface="微软雅黑" panose="020B0503020204020204" pitchFamily="34" charset="-122"/>
+                <a:ea typeface="微软雅黑" panose="020B0503020204020204" pitchFamily="34" charset="-122"/>
               </a:rPr>
               <a:t>-</a:t>
             </a:r>
@@ -4515,8 +4407,8 @@
                     <a:lumOff val="40000"/>
                   </a:schemeClr>
                 </a:solidFill>
-                <a:latin typeface="方正大黑_GBK" panose="03000509000000000000" pitchFamily="65" charset="-122"/>
-                <a:ea typeface="方正大黑_GBK" panose="03000509000000000000" pitchFamily="65" charset="-122"/>
+                <a:latin typeface="微软雅黑" panose="020B0503020204020204" pitchFamily="34" charset="-122"/>
+                <a:ea typeface="微软雅黑" panose="020B0503020204020204" pitchFamily="34" charset="-122"/>
               </a:rPr>
               <a:t>结果</a:t>
             </a:r>
@@ -4527,8 +4419,8 @@
                   <a:lumOff val="40000"/>
                 </a:schemeClr>
               </a:solidFill>
-              <a:latin typeface="方正大黑_GBK" panose="03000509000000000000" pitchFamily="65" charset="-122"/>
-              <a:ea typeface="方正大黑_GBK" panose="03000509000000000000" pitchFamily="65" charset="-122"/>
+              <a:latin typeface="微软雅黑" panose="020B0503020204020204" pitchFamily="34" charset="-122"/>
+              <a:ea typeface="微软雅黑" panose="020B0503020204020204" pitchFamily="34" charset="-122"/>
             </a:endParaRPr>
           </a:p>
         </p:txBody>
@@ -4563,6 +4455,97 @@
           </a:prstGeom>
         </p:spPr>
       </p:pic>
+      <p:sp>
+        <p:nvSpPr>
+          <p:cNvPr id="7" name="矩形 6"/>
+          <p:cNvSpPr/>
+          <p:nvPr/>
+        </p:nvSpPr>
+        <p:spPr>
+          <a:xfrm>
+            <a:off x="410599" y="0"/>
+            <a:ext cx="1428825" cy="1041622"/>
+          </a:xfrm>
+          <a:prstGeom prst="rect">
+            <a:avLst/>
+          </a:prstGeom>
+          <a:solidFill>
+            <a:srgbClr val="219DC9"/>
+          </a:solidFill>
+          <a:ln>
+            <a:noFill/>
+          </a:ln>
+        </p:spPr>
+        <p:style>
+          <a:lnRef idx="2">
+            <a:schemeClr val="accent1">
+              <a:shade val="50000"/>
+            </a:schemeClr>
+          </a:lnRef>
+          <a:fillRef idx="1">
+            <a:schemeClr val="accent1"/>
+          </a:fillRef>
+          <a:effectRef idx="0">
+            <a:schemeClr val="accent1"/>
+          </a:effectRef>
+          <a:fontRef idx="minor">
+            <a:schemeClr val="lt1"/>
+          </a:fontRef>
+        </p:style>
+        <p:txBody>
+          <a:bodyPr rtlCol="0" anchor="ctr"/>
+          <a:lstStyle/>
+          <a:p>
+            <a:pPr algn="ctr"/>
+            <a:endParaRPr lang="zh-CN" altLang="en-US"/>
+          </a:p>
+        </p:txBody>
+      </p:sp>
+      <p:sp>
+        <p:nvSpPr>
+          <p:cNvPr id="8" name="矩形 7"/>
+          <p:cNvSpPr/>
+          <p:nvPr/>
+        </p:nvSpPr>
+        <p:spPr>
+          <a:xfrm>
+            <a:off x="446094" y="422506"/>
+            <a:ext cx="1393330" cy="646331"/>
+          </a:xfrm>
+          <a:prstGeom prst="rect">
+            <a:avLst/>
+          </a:prstGeom>
+        </p:spPr>
+        <p:txBody>
+          <a:bodyPr wrap="none">
+            <a:spAutoFit/>
+          </a:bodyPr>
+          <a:lstStyle/>
+          <a:p>
+            <a:r>
+              <a:rPr kumimoji="1" lang="zh-CN" altLang="en-US" sz="3600" b="1" dirty="0" smtClean="0">
+                <a:solidFill>
+                  <a:schemeClr val="bg1"/>
+                </a:solidFill>
+                <a:latin typeface="微软雅黑" panose="020B0503020204020204" pitchFamily="34" charset="-122"/>
+                <a:ea typeface="微软雅黑" panose="020B0503020204020204" pitchFamily="34" charset="-122"/>
+              </a:rPr>
+              <a:t>任务</a:t>
+            </a:r>
+            <a:r>
+              <a:rPr kumimoji="1" lang="en-US" altLang="zh-CN" sz="3600" b="1" dirty="0" smtClean="0">
+                <a:solidFill>
+                  <a:schemeClr val="bg1"/>
+                </a:solidFill>
+                <a:latin typeface="微软雅黑" panose="020B0503020204020204" pitchFamily="34" charset="-122"/>
+                <a:ea typeface="微软雅黑" panose="020B0503020204020204" pitchFamily="34" charset="-122"/>
+              </a:rPr>
+              <a:t>3</a:t>
+            </a:r>
+            <a:endParaRPr lang="zh-CN" altLang="en-US" dirty="0"/>
+          </a:p>
+        </p:txBody>
+      </p:sp>
     </p:spTree>
     <p:extLst>
       <p:ext uri="{BB962C8B-B14F-4D97-AF65-F5344CB8AC3E}">
@@ -4646,103 +4629,6 @@
       </p:sp>
       <p:sp>
         <p:nvSpPr>
-          <p:cNvPr id="13" name="矩形 12"/>
-          <p:cNvSpPr/>
-          <p:nvPr/>
-        </p:nvSpPr>
-        <p:spPr>
-          <a:xfrm>
-            <a:off x="457200" y="117995"/>
-            <a:ext cx="1359897" cy="1068837"/>
-          </a:xfrm>
-          <a:prstGeom prst="rect">
-            <a:avLst/>
-          </a:prstGeom>
-          <a:solidFill>
-            <a:srgbClr val="219DC9"/>
-          </a:solidFill>
-          <a:ln>
-            <a:noFill/>
-          </a:ln>
-        </p:spPr>
-        <p:style>
-          <a:lnRef idx="2">
-            <a:schemeClr val="accent1">
-              <a:shade val="50000"/>
-            </a:schemeClr>
-          </a:lnRef>
-          <a:fillRef idx="1">
-            <a:schemeClr val="accent1"/>
-          </a:fillRef>
-          <a:effectRef idx="0">
-            <a:schemeClr val="accent1"/>
-          </a:effectRef>
-          <a:fontRef idx="minor">
-            <a:schemeClr val="lt1"/>
-          </a:fontRef>
-        </p:style>
-        <p:txBody>
-          <a:bodyPr rtlCol="0" anchor="ctr"/>
-          <a:lstStyle/>
-          <a:p>
-            <a:pPr algn="ctr"/>
-            <a:endParaRPr lang="zh-CN" altLang="en-US"/>
-          </a:p>
-        </p:txBody>
-      </p:sp>
-      <p:sp>
-        <p:nvSpPr>
-          <p:cNvPr id="14" name="矩形 13"/>
-          <p:cNvSpPr/>
-          <p:nvPr/>
-        </p:nvSpPr>
-        <p:spPr>
-          <a:xfrm>
-            <a:off x="446094" y="422506"/>
-            <a:ext cx="1324402" cy="646331"/>
-          </a:xfrm>
-          <a:prstGeom prst="rect">
-            <a:avLst/>
-          </a:prstGeom>
-        </p:spPr>
-        <p:txBody>
-          <a:bodyPr wrap="none">
-            <a:spAutoFit/>
-          </a:bodyPr>
-          <a:lstStyle/>
-          <a:p>
-            <a:r>
-              <a:rPr kumimoji="1" lang="zh-CN" altLang="en-US" sz="3600" b="1" dirty="0" smtClean="0">
-                <a:solidFill>
-                  <a:schemeClr val="bg1"/>
-                </a:solidFill>
-                <a:latin typeface="方正大黑_GBK" panose="03000509000000000000" pitchFamily="65" charset="-122"/>
-                <a:ea typeface="方正大黑_GBK" panose="03000509000000000000" pitchFamily="65" charset="-122"/>
-              </a:rPr>
-              <a:t>任务</a:t>
-            </a:r>
-            <a:r>
-              <a:rPr kumimoji="1" lang="en-US" altLang="zh-CN" sz="3600" b="1" dirty="0" smtClean="0">
-                <a:solidFill>
-                  <a:schemeClr val="bg1"/>
-                </a:solidFill>
-                <a:latin typeface="方正大黑_GBK" panose="03000509000000000000" pitchFamily="65" charset="-122"/>
-                <a:ea typeface="方正大黑_GBK" panose="03000509000000000000" pitchFamily="65" charset="-122"/>
-              </a:rPr>
-              <a:t>4</a:t>
-            </a:r>
-            <a:endParaRPr kumimoji="1" lang="zh-CN" altLang="en-US" sz="3600" b="1" dirty="0">
-              <a:solidFill>
-                <a:schemeClr val="bg1"/>
-              </a:solidFill>
-              <a:latin typeface="方正大黑_GBK" panose="03000509000000000000" pitchFamily="65" charset="-122"/>
-              <a:ea typeface="方正大黑_GBK" panose="03000509000000000000" pitchFamily="65" charset="-122"/>
-            </a:endParaRPr>
-          </a:p>
-        </p:txBody>
-      </p:sp>
-      <p:sp>
-        <p:nvSpPr>
           <p:cNvPr id="19" name="矩形 18"/>
           <p:cNvSpPr/>
           <p:nvPr/>
@@ -4750,7 +4636,7 @@
         <p:spPr>
           <a:xfrm>
             <a:off x="2087185" y="473398"/>
-            <a:ext cx="3815468" cy="646331"/>
+            <a:ext cx="4033476" cy="646331"/>
           </a:xfrm>
           <a:prstGeom prst="rect">
             <a:avLst/>
@@ -4770,8 +4656,8 @@
                     <a:lumOff val="40000"/>
                   </a:schemeClr>
                 </a:solidFill>
-                <a:latin typeface="方正大黑_GBK" panose="03000509000000000000" pitchFamily="65" charset="-122"/>
-                <a:ea typeface="方正大黑_GBK" panose="03000509000000000000" pitchFamily="65" charset="-122"/>
+                <a:latin typeface="微软雅黑" panose="020B0503020204020204" pitchFamily="34" charset="-122"/>
+                <a:ea typeface="微软雅黑" panose="020B0503020204020204" pitchFamily="34" charset="-122"/>
               </a:rPr>
               <a:t>重复检测</a:t>
             </a:r>
@@ -4783,8 +4669,8 @@
                     <a:lumOff val="40000"/>
                   </a:schemeClr>
                 </a:solidFill>
-                <a:latin typeface="方正大黑_GBK" panose="03000509000000000000" pitchFamily="65" charset="-122"/>
-                <a:ea typeface="方正大黑_GBK" panose="03000509000000000000" pitchFamily="65" charset="-122"/>
+                <a:latin typeface="微软雅黑" panose="020B0503020204020204" pitchFamily="34" charset="-122"/>
+                <a:ea typeface="微软雅黑" panose="020B0503020204020204" pitchFamily="34" charset="-122"/>
               </a:rPr>
               <a:t>-mapper</a:t>
             </a:r>
@@ -4795,8 +4681,8 @@
                   <a:lumOff val="40000"/>
                 </a:schemeClr>
               </a:solidFill>
-              <a:latin typeface="方正大黑_GBK" panose="03000509000000000000" pitchFamily="65" charset="-122"/>
-              <a:ea typeface="方正大黑_GBK" panose="03000509000000000000" pitchFamily="65" charset="-122"/>
+              <a:latin typeface="微软雅黑" panose="020B0503020204020204" pitchFamily="34" charset="-122"/>
+              <a:ea typeface="微软雅黑" panose="020B0503020204020204" pitchFamily="34" charset="-122"/>
             </a:endParaRPr>
           </a:p>
         </p:txBody>
@@ -4830,6 +4716,97 @@
           </a:xfrm>
         </p:spPr>
       </p:pic>
+      <p:sp>
+        <p:nvSpPr>
+          <p:cNvPr id="7" name="矩形 6"/>
+          <p:cNvSpPr/>
+          <p:nvPr/>
+        </p:nvSpPr>
+        <p:spPr>
+          <a:xfrm>
+            <a:off x="410599" y="0"/>
+            <a:ext cx="1428825" cy="1041622"/>
+          </a:xfrm>
+          <a:prstGeom prst="rect">
+            <a:avLst/>
+          </a:prstGeom>
+          <a:solidFill>
+            <a:srgbClr val="219DC9"/>
+          </a:solidFill>
+          <a:ln>
+            <a:noFill/>
+          </a:ln>
+        </p:spPr>
+        <p:style>
+          <a:lnRef idx="2">
+            <a:schemeClr val="accent1">
+              <a:shade val="50000"/>
+            </a:schemeClr>
+          </a:lnRef>
+          <a:fillRef idx="1">
+            <a:schemeClr val="accent1"/>
+          </a:fillRef>
+          <a:effectRef idx="0">
+            <a:schemeClr val="accent1"/>
+          </a:effectRef>
+          <a:fontRef idx="minor">
+            <a:schemeClr val="lt1"/>
+          </a:fontRef>
+        </p:style>
+        <p:txBody>
+          <a:bodyPr rtlCol="0" anchor="ctr"/>
+          <a:lstStyle/>
+          <a:p>
+            <a:pPr algn="ctr"/>
+            <a:endParaRPr lang="zh-CN" altLang="en-US"/>
+          </a:p>
+        </p:txBody>
+      </p:sp>
+      <p:sp>
+        <p:nvSpPr>
+          <p:cNvPr id="8" name="矩形 7"/>
+          <p:cNvSpPr/>
+          <p:nvPr/>
+        </p:nvSpPr>
+        <p:spPr>
+          <a:xfrm>
+            <a:off x="446094" y="422506"/>
+            <a:ext cx="1393330" cy="646331"/>
+          </a:xfrm>
+          <a:prstGeom prst="rect">
+            <a:avLst/>
+          </a:prstGeom>
+        </p:spPr>
+        <p:txBody>
+          <a:bodyPr wrap="none">
+            <a:spAutoFit/>
+          </a:bodyPr>
+          <a:lstStyle/>
+          <a:p>
+            <a:r>
+              <a:rPr kumimoji="1" lang="zh-CN" altLang="en-US" sz="3600" b="1" dirty="0" smtClean="0">
+                <a:solidFill>
+                  <a:schemeClr val="bg1"/>
+                </a:solidFill>
+                <a:latin typeface="微软雅黑" panose="020B0503020204020204" pitchFamily="34" charset="-122"/>
+                <a:ea typeface="微软雅黑" panose="020B0503020204020204" pitchFamily="34" charset="-122"/>
+              </a:rPr>
+              <a:t>任务</a:t>
+            </a:r>
+            <a:r>
+              <a:rPr kumimoji="1" lang="en-US" altLang="zh-CN" sz="3600" b="1" dirty="0" smtClean="0">
+                <a:solidFill>
+                  <a:schemeClr val="bg1"/>
+                </a:solidFill>
+                <a:latin typeface="微软雅黑" panose="020B0503020204020204" pitchFamily="34" charset="-122"/>
+                <a:ea typeface="微软雅黑" panose="020B0503020204020204" pitchFamily="34" charset="-122"/>
+              </a:rPr>
+              <a:t>4</a:t>
+            </a:r>
+            <a:endParaRPr lang="zh-CN" altLang="en-US" dirty="0"/>
+          </a:p>
+        </p:txBody>
+      </p:sp>
     </p:spTree>
     <p:extLst>
       <p:ext uri="{BB962C8B-B14F-4D97-AF65-F5344CB8AC3E}">
@@ -4913,14 +4890,74 @@
       </p:sp>
       <p:sp>
         <p:nvSpPr>
-          <p:cNvPr id="13" name="矩形 12"/>
+          <p:cNvPr id="19" name="矩形 18"/>
           <p:cNvSpPr/>
           <p:nvPr/>
         </p:nvSpPr>
         <p:spPr>
           <a:xfrm>
-            <a:off x="457200" y="117995"/>
-            <a:ext cx="1359897" cy="1068837"/>
+            <a:off x="2087185" y="473398"/>
+            <a:ext cx="3977371" cy="646331"/>
+          </a:xfrm>
+          <a:prstGeom prst="rect">
+            <a:avLst/>
+          </a:prstGeom>
+        </p:spPr>
+        <p:txBody>
+          <a:bodyPr wrap="none">
+            <a:spAutoFit/>
+          </a:bodyPr>
+          <a:lstStyle/>
+          <a:p>
+            <a:r>
+              <a:rPr kumimoji="1" lang="zh-CN" altLang="en-US" sz="3600" b="1" dirty="0" smtClean="0">
+                <a:solidFill>
+                  <a:schemeClr val="tx2">
+                    <a:lumMod val="60000"/>
+                    <a:lumOff val="40000"/>
+                  </a:schemeClr>
+                </a:solidFill>
+                <a:latin typeface="微软雅黑" panose="020B0503020204020204" pitchFamily="34" charset="-122"/>
+                <a:ea typeface="微软雅黑" panose="020B0503020204020204" pitchFamily="34" charset="-122"/>
+              </a:rPr>
+              <a:t>重复检测</a:t>
+            </a:r>
+            <a:r>
+              <a:rPr kumimoji="1" lang="en-US" altLang="zh-CN" sz="3600" b="1" dirty="0" smtClean="0">
+                <a:solidFill>
+                  <a:schemeClr val="tx2">
+                    <a:lumMod val="60000"/>
+                    <a:lumOff val="40000"/>
+                  </a:schemeClr>
+                </a:solidFill>
+                <a:latin typeface="微软雅黑" panose="020B0503020204020204" pitchFamily="34" charset="-122"/>
+                <a:ea typeface="微软雅黑" panose="020B0503020204020204" pitchFamily="34" charset="-122"/>
+              </a:rPr>
+              <a:t>-reducer</a:t>
+            </a:r>
+            <a:endParaRPr kumimoji="1" lang="zh-CN" altLang="en-US" sz="3600" b="1" dirty="0">
+              <a:solidFill>
+                <a:schemeClr val="tx2">
+                  <a:lumMod val="60000"/>
+                  <a:lumOff val="40000"/>
+                </a:schemeClr>
+              </a:solidFill>
+              <a:latin typeface="微软雅黑" panose="020B0503020204020204" pitchFamily="34" charset="-122"/>
+              <a:ea typeface="微软雅黑" panose="020B0503020204020204" pitchFamily="34" charset="-122"/>
+            </a:endParaRPr>
+          </a:p>
+        </p:txBody>
+      </p:sp>
+      <p:sp>
+        <p:nvSpPr>
+          <p:cNvPr id="8" name="矩形 7"/>
+          <p:cNvSpPr/>
+          <p:nvPr/>
+        </p:nvSpPr>
+        <p:spPr>
+          <a:xfrm>
+            <a:off x="988317" y="1820841"/>
+            <a:ext cx="742587" cy="742587"/>
           </a:xfrm>
           <a:prstGeom prst="rect">
             <a:avLst/>
@@ -4953,130 +4990,29 @@
           <a:lstStyle/>
           <a:p>
             <a:pPr algn="ctr"/>
-            <a:endParaRPr lang="zh-CN" altLang="en-US"/>
-          </a:p>
-        </p:txBody>
-      </p:sp>
-      <p:sp>
-        <p:nvSpPr>
-          <p:cNvPr id="14" name="矩形 13"/>
+            <a:r>
+              <a:rPr lang="en-US" altLang="zh-CN" sz="3200" b="1" dirty="0" smtClean="0">
+                <a:latin typeface="微软雅黑" panose="020B0503020204020204" pitchFamily="34" charset="-122"/>
+                <a:ea typeface="微软雅黑" panose="020B0503020204020204" pitchFamily="34" charset="-122"/>
+              </a:rPr>
+              <a:t>1</a:t>
+            </a:r>
+            <a:endParaRPr lang="zh-CN" altLang="en-US" sz="3200" b="1" dirty="0">
+              <a:latin typeface="微软雅黑" panose="020B0503020204020204" pitchFamily="34" charset="-122"/>
+              <a:ea typeface="微软雅黑" panose="020B0503020204020204" pitchFamily="34" charset="-122"/>
+            </a:endParaRPr>
+          </a:p>
+        </p:txBody>
+      </p:sp>
+      <p:sp>
+        <p:nvSpPr>
+          <p:cNvPr id="10" name="矩形 9"/>
           <p:cNvSpPr/>
           <p:nvPr/>
         </p:nvSpPr>
         <p:spPr>
           <a:xfrm>
-            <a:off x="446094" y="422506"/>
-            <a:ext cx="1324402" cy="646331"/>
-          </a:xfrm>
-          <a:prstGeom prst="rect">
-            <a:avLst/>
-          </a:prstGeom>
-        </p:spPr>
-        <p:txBody>
-          <a:bodyPr wrap="none">
-            <a:spAutoFit/>
-          </a:bodyPr>
-          <a:lstStyle/>
-          <a:p>
-            <a:r>
-              <a:rPr kumimoji="1" lang="zh-CN" altLang="en-US" sz="3600" b="1" dirty="0" smtClean="0">
-                <a:solidFill>
-                  <a:schemeClr val="bg1"/>
-                </a:solidFill>
-                <a:latin typeface="方正大黑_GBK" panose="03000509000000000000" pitchFamily="65" charset="-122"/>
-                <a:ea typeface="方正大黑_GBK" panose="03000509000000000000" pitchFamily="65" charset="-122"/>
-              </a:rPr>
-              <a:t>任务</a:t>
-            </a:r>
-            <a:r>
-              <a:rPr kumimoji="1" lang="en-US" altLang="zh-CN" sz="3600" b="1" dirty="0" smtClean="0">
-                <a:solidFill>
-                  <a:schemeClr val="bg1"/>
-                </a:solidFill>
-                <a:latin typeface="方正大黑_GBK" panose="03000509000000000000" pitchFamily="65" charset="-122"/>
-                <a:ea typeface="方正大黑_GBK" panose="03000509000000000000" pitchFamily="65" charset="-122"/>
-              </a:rPr>
-              <a:t>4</a:t>
-            </a:r>
-            <a:endParaRPr kumimoji="1" lang="zh-CN" altLang="en-US" sz="3600" b="1" dirty="0">
-              <a:solidFill>
-                <a:schemeClr val="bg1"/>
-              </a:solidFill>
-              <a:latin typeface="方正大黑_GBK" panose="03000509000000000000" pitchFamily="65" charset="-122"/>
-              <a:ea typeface="方正大黑_GBK" panose="03000509000000000000" pitchFamily="65" charset="-122"/>
-            </a:endParaRPr>
-          </a:p>
-        </p:txBody>
-      </p:sp>
-      <p:sp>
-        <p:nvSpPr>
-          <p:cNvPr id="19" name="矩形 18"/>
-          <p:cNvSpPr/>
-          <p:nvPr/>
-        </p:nvSpPr>
-        <p:spPr>
-          <a:xfrm>
-            <a:off x="2087185" y="473398"/>
-            <a:ext cx="3977371" cy="646331"/>
-          </a:xfrm>
-          <a:prstGeom prst="rect">
-            <a:avLst/>
-          </a:prstGeom>
-        </p:spPr>
-        <p:txBody>
-          <a:bodyPr wrap="none">
-            <a:spAutoFit/>
-          </a:bodyPr>
-          <a:lstStyle/>
-          <a:p>
-            <a:r>
-              <a:rPr kumimoji="1" lang="zh-CN" altLang="en-US" sz="3600" b="1" dirty="0" smtClean="0">
-                <a:solidFill>
-                  <a:schemeClr val="tx2">
-                    <a:lumMod val="60000"/>
-                    <a:lumOff val="40000"/>
-                  </a:schemeClr>
-                </a:solidFill>
-                <a:latin typeface="方正大黑_GBK" panose="03000509000000000000" pitchFamily="65" charset="-122"/>
-                <a:ea typeface="方正大黑_GBK" panose="03000509000000000000" pitchFamily="65" charset="-122"/>
-              </a:rPr>
-              <a:t>重复检测</a:t>
-            </a:r>
-            <a:r>
-              <a:rPr kumimoji="1" lang="en-US" altLang="zh-CN" sz="3600" b="1" dirty="0" smtClean="0">
-                <a:solidFill>
-                  <a:schemeClr val="tx2">
-                    <a:lumMod val="60000"/>
-                    <a:lumOff val="40000"/>
-                  </a:schemeClr>
-                </a:solidFill>
-                <a:latin typeface="方正大黑_GBK" panose="03000509000000000000" pitchFamily="65" charset="-122"/>
-                <a:ea typeface="方正大黑_GBK" panose="03000509000000000000" pitchFamily="65" charset="-122"/>
-              </a:rPr>
-              <a:t>-reducer</a:t>
-            </a:r>
-            <a:endParaRPr kumimoji="1" lang="zh-CN" altLang="en-US" sz="3600" b="1" dirty="0">
-              <a:solidFill>
-                <a:schemeClr val="tx2">
-                  <a:lumMod val="60000"/>
-                  <a:lumOff val="40000"/>
-                </a:schemeClr>
-              </a:solidFill>
-              <a:latin typeface="方正大黑_GBK" panose="03000509000000000000" pitchFamily="65" charset="-122"/>
-              <a:ea typeface="方正大黑_GBK" panose="03000509000000000000" pitchFamily="65" charset="-122"/>
-            </a:endParaRPr>
-          </a:p>
-        </p:txBody>
-      </p:sp>
-      <p:sp>
-        <p:nvSpPr>
-          <p:cNvPr id="8" name="矩形 7"/>
-          <p:cNvSpPr/>
-          <p:nvPr/>
-        </p:nvSpPr>
-        <p:spPr>
-          <a:xfrm>
-            <a:off x="988317" y="1820841"/>
+            <a:off x="988318" y="2981050"/>
             <a:ext cx="742587" cy="742587"/>
           </a:xfrm>
           <a:prstGeom prst="rect">
@@ -5115,7 +5051,7 @@
                 <a:latin typeface="微软雅黑" panose="020B0503020204020204" pitchFamily="34" charset="-122"/>
                 <a:ea typeface="微软雅黑" panose="020B0503020204020204" pitchFamily="34" charset="-122"/>
               </a:rPr>
-              <a:t>1</a:t>
+              <a:t>2</a:t>
             </a:r>
             <a:endParaRPr lang="zh-CN" altLang="en-US" sz="3200" b="1" dirty="0">
               <a:latin typeface="微软雅黑" panose="020B0503020204020204" pitchFamily="34" charset="-122"/>
@@ -5126,13 +5062,320 @@
       </p:sp>
       <p:sp>
         <p:nvSpPr>
-          <p:cNvPr id="10" name="矩形 9"/>
+          <p:cNvPr id="11" name="文本框 10"/>
+          <p:cNvSpPr txBox="1"/>
+          <p:nvPr/>
+        </p:nvSpPr>
+        <p:spPr>
+          <a:xfrm>
+            <a:off x="2254412" y="1801432"/>
+            <a:ext cx="5556088" cy="830997"/>
+          </a:xfrm>
+          <a:prstGeom prst="rect">
+            <a:avLst/>
+          </a:prstGeom>
+          <a:noFill/>
+        </p:spPr>
+        <p:txBody>
+          <a:bodyPr wrap="square" rtlCol="0">
+            <a:spAutoFit/>
+          </a:bodyPr>
+          <a:lstStyle/>
+          <a:p>
+            <a:r>
+              <a:rPr kumimoji="1" lang="zh-CN" altLang="en-US" sz="2400" b="1" dirty="0" smtClean="0">
+                <a:solidFill>
+                  <a:srgbClr val="219DC9"/>
+                </a:solidFill>
+                <a:latin typeface="微软雅黑"/>
+                <a:ea typeface="微软雅黑"/>
+                <a:cs typeface="微软雅黑"/>
+              </a:rPr>
+              <a:t>如果某个</a:t>
+            </a:r>
+            <a:r>
+              <a:rPr kumimoji="1" lang="en-US" altLang="zh-CN" sz="2400" b="1" dirty="0" smtClean="0">
+                <a:solidFill>
+                  <a:srgbClr val="219DC9"/>
+                </a:solidFill>
+                <a:latin typeface="微软雅黑"/>
+                <a:ea typeface="微软雅黑"/>
+                <a:cs typeface="微软雅黑"/>
+              </a:rPr>
+              <a:t>key</a:t>
+            </a:r>
+            <a:r>
+              <a:rPr kumimoji="1" lang="zh-CN" altLang="en-US" sz="2400" b="1" dirty="0" smtClean="0">
+                <a:solidFill>
+                  <a:srgbClr val="219DC9"/>
+                </a:solidFill>
+                <a:latin typeface="微软雅黑"/>
+                <a:ea typeface="微软雅黑"/>
+                <a:cs typeface="微软雅黑"/>
+              </a:rPr>
+              <a:t>传进来的</a:t>
+            </a:r>
+            <a:r>
+              <a:rPr kumimoji="1" lang="en-US" altLang="zh-CN" sz="2400" b="1" dirty="0" smtClean="0">
+                <a:solidFill>
+                  <a:srgbClr val="219DC9"/>
+                </a:solidFill>
+                <a:latin typeface="微软雅黑"/>
+                <a:ea typeface="微软雅黑"/>
+                <a:cs typeface="微软雅黑"/>
+              </a:rPr>
+              <a:t>values</a:t>
+            </a:r>
+            <a:r>
+              <a:rPr kumimoji="1" lang="zh-CN" altLang="en-US" sz="2400" b="1" dirty="0" smtClean="0">
+                <a:solidFill>
+                  <a:srgbClr val="219DC9"/>
+                </a:solidFill>
+                <a:latin typeface="微软雅黑"/>
+                <a:ea typeface="微软雅黑"/>
+                <a:cs typeface="微软雅黑"/>
+              </a:rPr>
+              <a:t>个数为</a:t>
+            </a:r>
+            <a:r>
+              <a:rPr kumimoji="1" lang="en-US" altLang="zh-CN" sz="2400" b="1" dirty="0" smtClean="0">
+                <a:solidFill>
+                  <a:srgbClr val="219DC9"/>
+                </a:solidFill>
+                <a:latin typeface="微软雅黑"/>
+                <a:ea typeface="微软雅黑"/>
+                <a:cs typeface="微软雅黑"/>
+              </a:rPr>
+              <a:t>1</a:t>
+            </a:r>
+            <a:r>
+              <a:rPr kumimoji="1" lang="zh-CN" altLang="en-US" sz="2400" b="1" dirty="0" smtClean="0">
+                <a:solidFill>
+                  <a:srgbClr val="219DC9"/>
+                </a:solidFill>
+                <a:latin typeface="微软雅黑"/>
+                <a:ea typeface="微软雅黑"/>
+                <a:cs typeface="微软雅黑"/>
+              </a:rPr>
+              <a:t>，舍弃</a:t>
+            </a:r>
+            <a:endParaRPr kumimoji="1" lang="zh-CN" altLang="en-US" sz="2400" b="1" dirty="0">
+              <a:solidFill>
+                <a:srgbClr val="219DC9"/>
+              </a:solidFill>
+              <a:latin typeface="微软雅黑"/>
+              <a:ea typeface="微软雅黑"/>
+              <a:cs typeface="微软雅黑"/>
+            </a:endParaRPr>
+          </a:p>
+        </p:txBody>
+      </p:sp>
+      <p:sp>
+        <p:nvSpPr>
+          <p:cNvPr id="12" name="文本框 11"/>
+          <p:cNvSpPr txBox="1"/>
+          <p:nvPr/>
+        </p:nvSpPr>
+        <p:spPr>
+          <a:xfrm>
+            <a:off x="2172525" y="2981050"/>
+            <a:ext cx="5023540" cy="1569660"/>
+          </a:xfrm>
+          <a:prstGeom prst="rect">
+            <a:avLst/>
+          </a:prstGeom>
+          <a:noFill/>
+        </p:spPr>
+        <p:txBody>
+          <a:bodyPr wrap="square" rtlCol="0">
+            <a:spAutoFit/>
+          </a:bodyPr>
+          <a:lstStyle/>
+          <a:p>
+            <a:r>
+              <a:rPr lang="zh-CN" altLang="en-US" sz="2400" b="1" dirty="0" smtClean="0">
+                <a:solidFill>
+                  <a:srgbClr val="219DC9"/>
+                </a:solidFill>
+                <a:latin typeface="微软雅黑"/>
+                <a:ea typeface="微软雅黑"/>
+                <a:cs typeface="微软雅黑"/>
+              </a:rPr>
+              <a:t>对于某</a:t>
+            </a:r>
+            <a:r>
+              <a:rPr lang="en-US" altLang="zh-CN" sz="2400" b="1" dirty="0" smtClean="0">
+                <a:solidFill>
+                  <a:srgbClr val="219DC9"/>
+                </a:solidFill>
+                <a:latin typeface="微软雅黑"/>
+                <a:ea typeface="微软雅黑"/>
+                <a:cs typeface="微软雅黑"/>
+              </a:rPr>
+              <a:t>key</a:t>
+            </a:r>
+            <a:r>
+              <a:rPr lang="zh-CN" altLang="en-US" sz="2400" b="1" dirty="0" smtClean="0">
+                <a:solidFill>
+                  <a:srgbClr val="219DC9"/>
+                </a:solidFill>
+                <a:latin typeface="微软雅黑"/>
+                <a:ea typeface="微软雅黑"/>
+                <a:cs typeface="微软雅黑"/>
+              </a:rPr>
+              <a:t>对应多个</a:t>
+            </a:r>
+            <a:r>
+              <a:rPr lang="en-US" altLang="zh-CN" sz="2400" b="1" dirty="0" smtClean="0">
+                <a:solidFill>
+                  <a:srgbClr val="219DC9"/>
+                </a:solidFill>
+                <a:latin typeface="微软雅黑"/>
+                <a:ea typeface="微软雅黑"/>
+                <a:cs typeface="微软雅黑"/>
+              </a:rPr>
+              <a:t>values</a:t>
+            </a:r>
+            <a:r>
+              <a:rPr lang="zh-CN" altLang="en-US" sz="2400" b="1" dirty="0" smtClean="0">
+                <a:solidFill>
+                  <a:srgbClr val="219DC9"/>
+                </a:solidFill>
+                <a:latin typeface="微软雅黑"/>
+                <a:ea typeface="微软雅黑"/>
+                <a:cs typeface="微软雅黑"/>
+              </a:rPr>
+              <a:t>的情况：</a:t>
+            </a:r>
+            <a:endParaRPr lang="en-US" altLang="zh-CN" sz="2400" b="1" dirty="0" smtClean="0">
+              <a:solidFill>
+                <a:srgbClr val="219DC9"/>
+              </a:solidFill>
+              <a:latin typeface="微软雅黑"/>
+              <a:ea typeface="微软雅黑"/>
+              <a:cs typeface="微软雅黑"/>
+            </a:endParaRPr>
+          </a:p>
+          <a:p>
+            <a:r>
+              <a:rPr lang="zh-CN" altLang="en-US" sz="2400" b="1" dirty="0" smtClean="0">
+                <a:solidFill>
+                  <a:srgbClr val="219DC9"/>
+                </a:solidFill>
+                <a:latin typeface="微软雅黑"/>
+                <a:ea typeface="微软雅黑"/>
+                <a:cs typeface="微软雅黑"/>
+              </a:rPr>
+              <a:t>建立</a:t>
+            </a:r>
+            <a:r>
+              <a:rPr lang="en-US" altLang="zh-CN" sz="2400" b="1" dirty="0" smtClean="0">
+                <a:solidFill>
+                  <a:srgbClr val="219DC9"/>
+                </a:solidFill>
+                <a:latin typeface="微软雅黑"/>
+                <a:ea typeface="微软雅黑"/>
+                <a:cs typeface="微软雅黑"/>
+              </a:rPr>
+              <a:t>n</a:t>
+            </a:r>
+            <a:r>
+              <a:rPr lang="zh-CN" altLang="en-US" sz="2400" b="1" dirty="0" smtClean="0">
+                <a:solidFill>
+                  <a:srgbClr val="219DC9"/>
+                </a:solidFill>
+                <a:latin typeface="微软雅黑"/>
+                <a:ea typeface="微软雅黑"/>
+                <a:cs typeface="微软雅黑"/>
+              </a:rPr>
+              <a:t>相同队列，将此</a:t>
+            </a:r>
+            <a:r>
+              <a:rPr lang="en-US" altLang="zh-CN" sz="2400" b="1" dirty="0" smtClean="0">
+                <a:solidFill>
+                  <a:srgbClr val="219DC9"/>
+                </a:solidFill>
+                <a:latin typeface="微软雅黑"/>
+                <a:ea typeface="微软雅黑"/>
+                <a:cs typeface="微软雅黑"/>
+              </a:rPr>
+              <a:t>key</a:t>
+            </a:r>
+            <a:r>
+              <a:rPr lang="zh-CN" altLang="en-US" sz="2400" b="1" dirty="0" smtClean="0">
+                <a:solidFill>
+                  <a:srgbClr val="219DC9"/>
+                </a:solidFill>
+                <a:latin typeface="微软雅黑"/>
+                <a:ea typeface="微软雅黑"/>
+                <a:cs typeface="微软雅黑"/>
+              </a:rPr>
+              <a:t>下</a:t>
+            </a:r>
+            <a:r>
+              <a:rPr lang="en-US" altLang="zh-CN" sz="2400" b="1" dirty="0" smtClean="0">
+                <a:solidFill>
+                  <a:srgbClr val="219DC9"/>
+                </a:solidFill>
+                <a:latin typeface="微软雅黑"/>
+                <a:ea typeface="微软雅黑"/>
+                <a:cs typeface="微软雅黑"/>
+              </a:rPr>
+              <a:t>paper</a:t>
+            </a:r>
+            <a:r>
+              <a:rPr lang="zh-CN" altLang="en-US" sz="2400" b="1" dirty="0" smtClean="0">
+                <a:solidFill>
+                  <a:srgbClr val="219DC9"/>
+                </a:solidFill>
+                <a:latin typeface="微软雅黑"/>
+                <a:ea typeface="微软雅黑"/>
+                <a:cs typeface="微软雅黑"/>
+              </a:rPr>
+              <a:t>内容完全一样的</a:t>
+            </a:r>
+            <a:r>
+              <a:rPr lang="en-US" altLang="zh-CN" sz="2400" b="1" dirty="0" smtClean="0">
+                <a:solidFill>
+                  <a:srgbClr val="219DC9"/>
+                </a:solidFill>
+                <a:latin typeface="微软雅黑"/>
+                <a:ea typeface="微软雅黑"/>
+                <a:cs typeface="微软雅黑"/>
+              </a:rPr>
+              <a:t>paper</a:t>
+            </a:r>
+            <a:r>
+              <a:rPr lang="zh-CN" altLang="en-US" sz="2400" b="1" dirty="0" smtClean="0">
+                <a:solidFill>
+                  <a:srgbClr val="219DC9"/>
+                </a:solidFill>
+                <a:latin typeface="微软雅黑"/>
+                <a:ea typeface="微软雅黑"/>
+                <a:cs typeface="微软雅黑"/>
+              </a:rPr>
+              <a:t>至于一个队列中。</a:t>
+            </a:r>
+            <a:endParaRPr lang="en-US" altLang="zh-CN" sz="2400" b="1" dirty="0" smtClean="0">
+              <a:solidFill>
+                <a:srgbClr val="219DC9"/>
+              </a:solidFill>
+              <a:latin typeface="微软雅黑"/>
+              <a:ea typeface="微软雅黑"/>
+              <a:cs typeface="微软雅黑"/>
+            </a:endParaRPr>
+          </a:p>
+        </p:txBody>
+      </p:sp>
+      <p:sp>
+        <p:nvSpPr>
+          <p:cNvPr id="15" name="矩形 14"/>
           <p:cNvSpPr/>
           <p:nvPr/>
         </p:nvSpPr>
         <p:spPr>
           <a:xfrm>
-            <a:off x="988318" y="2981050"/>
+            <a:off x="988318" y="4762484"/>
             <a:ext cx="742587" cy="742587"/>
           </a:xfrm>
           <a:prstGeom prst="rect">
@@ -5171,7 +5414,7 @@
                 <a:latin typeface="微软雅黑" panose="020B0503020204020204" pitchFamily="34" charset="-122"/>
                 <a:ea typeface="微软雅黑" panose="020B0503020204020204" pitchFamily="34" charset="-122"/>
               </a:rPr>
-              <a:t>2</a:t>
+              <a:t>3</a:t>
             </a:r>
             <a:endParaRPr lang="zh-CN" altLang="en-US" sz="3200" b="1" dirty="0">
               <a:latin typeface="微软雅黑" panose="020B0503020204020204" pitchFamily="34" charset="-122"/>
@@ -5182,14 +5425,14 @@
       </p:sp>
       <p:sp>
         <p:nvSpPr>
-          <p:cNvPr id="11" name="文本框 10"/>
+          <p:cNvPr id="16" name="文本框 15"/>
           <p:cNvSpPr txBox="1"/>
           <p:nvPr/>
         </p:nvSpPr>
         <p:spPr>
           <a:xfrm>
-            <a:off x="2254412" y="1801432"/>
-            <a:ext cx="5556088" cy="830997"/>
+            <a:off x="2087185" y="4762484"/>
+            <a:ext cx="5815775" cy="830997"/>
           </a:xfrm>
           <a:prstGeom prst="rect">
             <a:avLst/>
@@ -5203,7 +5446,7 @@
           <a:lstStyle/>
           <a:p>
             <a:r>
-              <a:rPr kumimoji="1" lang="zh-CN" altLang="en-US" sz="2400" b="1" dirty="0" smtClean="0">
+              <a:rPr lang="zh-CN" altLang="en-US" sz="2400" b="1" dirty="0" smtClean="0">
                 <a:solidFill>
                   <a:srgbClr val="219DC9"/>
                 </a:solidFill>
@@ -5211,10 +5454,10 @@
                 <a:ea typeface="微软雅黑"/>
                 <a:cs typeface="微软雅黑"/>
               </a:rPr>
-              <a:t>如果某个</a:t>
-            </a:r>
-            <a:r>
-              <a:rPr kumimoji="1" lang="en-US" altLang="zh-CN" sz="2400" b="1" dirty="0" smtClean="0">
+              <a:t>舍弃</a:t>
+            </a:r>
+            <a:r>
+              <a:rPr lang="en-US" altLang="zh-CN" sz="2400" b="1" dirty="0" smtClean="0">
                 <a:solidFill>
                   <a:srgbClr val="219DC9"/>
                 </a:solidFill>
@@ -5222,10 +5465,10 @@
                 <a:ea typeface="微软雅黑"/>
                 <a:cs typeface="微软雅黑"/>
               </a:rPr>
-              <a:t>key</a:t>
-            </a:r>
-            <a:r>
-              <a:rPr kumimoji="1" lang="zh-CN" altLang="en-US" sz="2400" b="1" dirty="0" smtClean="0">
+              <a:t>n</a:t>
+            </a:r>
+            <a:r>
+              <a:rPr lang="zh-CN" altLang="en-US" sz="2400" b="1" dirty="0" smtClean="0">
                 <a:solidFill>
                   <a:srgbClr val="219DC9"/>
                 </a:solidFill>
@@ -5233,10 +5476,10 @@
                 <a:ea typeface="微软雅黑"/>
                 <a:cs typeface="微软雅黑"/>
               </a:rPr>
-              <a:t>传进来的</a:t>
-            </a:r>
-            <a:r>
-              <a:rPr kumimoji="1" lang="en-US" altLang="zh-CN" sz="2400" b="1" dirty="0" smtClean="0">
+              <a:t>个队列中队列长度为</a:t>
+            </a:r>
+            <a:r>
+              <a:rPr lang="en-US" altLang="zh-CN" sz="2400" b="1" dirty="0" smtClean="0">
                 <a:solidFill>
                   <a:srgbClr val="219DC9"/>
                 </a:solidFill>
@@ -5244,10 +5487,10 @@
                 <a:ea typeface="微软雅黑"/>
                 <a:cs typeface="微软雅黑"/>
               </a:rPr>
-              <a:t>values</a:t>
-            </a:r>
-            <a:r>
-              <a:rPr kumimoji="1" lang="zh-CN" altLang="en-US" sz="2400" b="1" dirty="0" smtClean="0">
+              <a:t>1</a:t>
+            </a:r>
+            <a:r>
+              <a:rPr lang="zh-CN" altLang="en-US" sz="2400" b="1" dirty="0" smtClean="0">
                 <a:solidFill>
                   <a:srgbClr val="219DC9"/>
                 </a:solidFill>
@@ -5255,117 +5498,7 @@
                 <a:ea typeface="微软雅黑"/>
                 <a:cs typeface="微软雅黑"/>
               </a:rPr>
-              <a:t>个数为</a:t>
-            </a:r>
-            <a:r>
-              <a:rPr kumimoji="1" lang="en-US" altLang="zh-CN" sz="2400" b="1" dirty="0" smtClean="0">
-                <a:solidFill>
-                  <a:srgbClr val="219DC9"/>
-                </a:solidFill>
-                <a:latin typeface="微软雅黑"/>
-                <a:ea typeface="微软雅黑"/>
-                <a:cs typeface="微软雅黑"/>
-              </a:rPr>
-              <a:t>1</a:t>
-            </a:r>
-            <a:r>
-              <a:rPr kumimoji="1" lang="zh-CN" altLang="en-US" sz="2400" b="1" dirty="0" smtClean="0">
-                <a:solidFill>
-                  <a:srgbClr val="219DC9"/>
-                </a:solidFill>
-                <a:latin typeface="微软雅黑"/>
-                <a:ea typeface="微软雅黑"/>
-                <a:cs typeface="微软雅黑"/>
-              </a:rPr>
-              <a:t>，舍弃</a:t>
-            </a:r>
-            <a:endParaRPr kumimoji="1" lang="zh-CN" altLang="en-US" sz="2400" b="1" dirty="0">
-              <a:solidFill>
-                <a:srgbClr val="219DC9"/>
-              </a:solidFill>
-              <a:latin typeface="微软雅黑"/>
-              <a:ea typeface="微软雅黑"/>
-              <a:cs typeface="微软雅黑"/>
-            </a:endParaRPr>
-          </a:p>
-        </p:txBody>
-      </p:sp>
-      <p:sp>
-        <p:nvSpPr>
-          <p:cNvPr id="12" name="文本框 11"/>
-          <p:cNvSpPr txBox="1"/>
-          <p:nvPr/>
-        </p:nvSpPr>
-        <p:spPr>
-          <a:xfrm>
-            <a:off x="2172525" y="2981050"/>
-            <a:ext cx="5023540" cy="1569660"/>
-          </a:xfrm>
-          <a:prstGeom prst="rect">
-            <a:avLst/>
-          </a:prstGeom>
-          <a:noFill/>
-        </p:spPr>
-        <p:txBody>
-          <a:bodyPr wrap="square" rtlCol="0">
-            <a:spAutoFit/>
-          </a:bodyPr>
-          <a:lstStyle/>
-          <a:p>
-            <a:r>
-              <a:rPr lang="zh-CN" altLang="en-US" sz="2400" b="1" dirty="0" smtClean="0">
-                <a:solidFill>
-                  <a:srgbClr val="219DC9"/>
-                </a:solidFill>
-                <a:latin typeface="微软雅黑"/>
-                <a:ea typeface="微软雅黑"/>
-                <a:cs typeface="微软雅黑"/>
-              </a:rPr>
-              <a:t>对于某</a:t>
-            </a:r>
-            <a:r>
-              <a:rPr lang="en-US" altLang="zh-CN" sz="2400" b="1" dirty="0" smtClean="0">
-                <a:solidFill>
-                  <a:srgbClr val="219DC9"/>
-                </a:solidFill>
-                <a:latin typeface="微软雅黑"/>
-                <a:ea typeface="微软雅黑"/>
-                <a:cs typeface="微软雅黑"/>
-              </a:rPr>
-              <a:t>key</a:t>
-            </a:r>
-            <a:r>
-              <a:rPr lang="zh-CN" altLang="en-US" sz="2400" b="1" dirty="0" smtClean="0">
-                <a:solidFill>
-                  <a:srgbClr val="219DC9"/>
-                </a:solidFill>
-                <a:latin typeface="微软雅黑"/>
-                <a:ea typeface="微软雅黑"/>
-                <a:cs typeface="微软雅黑"/>
-              </a:rPr>
-              <a:t>对应多个</a:t>
-            </a:r>
-            <a:r>
-              <a:rPr lang="en-US" altLang="zh-CN" sz="2400" b="1" dirty="0" smtClean="0">
-                <a:solidFill>
-                  <a:srgbClr val="219DC9"/>
-                </a:solidFill>
-                <a:latin typeface="微软雅黑"/>
-                <a:ea typeface="微软雅黑"/>
-                <a:cs typeface="微软雅黑"/>
-              </a:rPr>
-              <a:t>values</a:t>
-            </a:r>
-            <a:r>
-              <a:rPr lang="zh-CN" altLang="en-US" sz="2400" b="1" dirty="0" smtClean="0">
-                <a:solidFill>
-                  <a:srgbClr val="219DC9"/>
-                </a:solidFill>
-                <a:latin typeface="微软雅黑"/>
-                <a:ea typeface="微软雅黑"/>
-                <a:cs typeface="微软雅黑"/>
-              </a:rPr>
-              <a:t>的情况：</a:t>
+              <a:t>个队列</a:t>
             </a:r>
             <a:endParaRPr lang="en-US" altLang="zh-CN" sz="2400" b="1" dirty="0" smtClean="0">
               <a:solidFill>
@@ -5386,7 +5519,7 @@
                 <a:ea typeface="微软雅黑"/>
                 <a:cs typeface="微软雅黑"/>
               </a:rPr>
-              <a:t>建立</a:t>
+              <a:t>输出重复的</a:t>
             </a:r>
             <a:r>
               <a:rPr lang="en-US" altLang="zh-CN" sz="2400" b="1" dirty="0" smtClean="0">
@@ -5397,7 +5530,7 @@
                 <a:ea typeface="微软雅黑"/>
                 <a:cs typeface="微软雅黑"/>
               </a:rPr>
-              <a:t>n</a:t>
+              <a:t>paper</a:t>
             </a:r>
             <a:r>
               <a:rPr lang="zh-CN" altLang="en-US" sz="2400" b="1" dirty="0" smtClean="0">
@@ -5408,10 +5541,10 @@
                 <a:ea typeface="微软雅黑"/>
                 <a:cs typeface="微软雅黑"/>
               </a:rPr>
-              <a:t>相同队列，将此</a:t>
-            </a:r>
-            <a:r>
-              <a:rPr lang="en-US" altLang="zh-CN" sz="2400" b="1" dirty="0" smtClean="0">
+              <a:t>在数据库中的</a:t>
+            </a:r>
+            <a:r>
+              <a:rPr lang="en-US" altLang="zh-CN" sz="2400" b="1" dirty="0" err="1" smtClean="0">
                 <a:solidFill>
                   <a:srgbClr val="219DC9"/>
                 </a:solidFill>
@@ -5419,62 +5552,7 @@
                 <a:ea typeface="微软雅黑"/>
                 <a:cs typeface="微软雅黑"/>
               </a:rPr>
-              <a:t>key</a:t>
-            </a:r>
-            <a:r>
-              <a:rPr lang="zh-CN" altLang="en-US" sz="2400" b="1" dirty="0" smtClean="0">
-                <a:solidFill>
-                  <a:srgbClr val="219DC9"/>
-                </a:solidFill>
-                <a:latin typeface="微软雅黑"/>
-                <a:ea typeface="微软雅黑"/>
-                <a:cs typeface="微软雅黑"/>
-              </a:rPr>
-              <a:t>下</a:t>
-            </a:r>
-            <a:r>
-              <a:rPr lang="en-US" altLang="zh-CN" sz="2400" b="1" dirty="0" smtClean="0">
-                <a:solidFill>
-                  <a:srgbClr val="219DC9"/>
-                </a:solidFill>
-                <a:latin typeface="微软雅黑"/>
-                <a:ea typeface="微软雅黑"/>
-                <a:cs typeface="微软雅黑"/>
-              </a:rPr>
-              <a:t>paper</a:t>
-            </a:r>
-            <a:r>
-              <a:rPr lang="zh-CN" altLang="en-US" sz="2400" b="1" dirty="0" smtClean="0">
-                <a:solidFill>
-                  <a:srgbClr val="219DC9"/>
-                </a:solidFill>
-                <a:latin typeface="微软雅黑"/>
-                <a:ea typeface="微软雅黑"/>
-                <a:cs typeface="微软雅黑"/>
-              </a:rPr>
-              <a:t>内容完全一样的</a:t>
-            </a:r>
-            <a:r>
-              <a:rPr lang="en-US" altLang="zh-CN" sz="2400" b="1" dirty="0" smtClean="0">
-                <a:solidFill>
-                  <a:srgbClr val="219DC9"/>
-                </a:solidFill>
-                <a:latin typeface="微软雅黑"/>
-                <a:ea typeface="微软雅黑"/>
-                <a:cs typeface="微软雅黑"/>
-              </a:rPr>
-              <a:t>paper</a:t>
-            </a:r>
-            <a:r>
-              <a:rPr lang="zh-CN" altLang="en-US" sz="2400" b="1" dirty="0" smtClean="0">
-                <a:solidFill>
-                  <a:srgbClr val="219DC9"/>
-                </a:solidFill>
-                <a:latin typeface="微软雅黑"/>
-                <a:ea typeface="微软雅黑"/>
-                <a:cs typeface="微软雅黑"/>
-              </a:rPr>
-              <a:t>至于一个队列中。</a:t>
+              <a:t>paperId</a:t>
             </a:r>
             <a:endParaRPr lang="en-US" altLang="zh-CN" sz="2400" b="1" dirty="0" smtClean="0">
               <a:solidFill>
@@ -5489,14 +5567,14 @@
       </p:sp>
       <p:sp>
         <p:nvSpPr>
-          <p:cNvPr id="15" name="矩形 14"/>
+          <p:cNvPr id="17" name="矩形 16"/>
           <p:cNvSpPr/>
           <p:nvPr/>
         </p:nvSpPr>
         <p:spPr>
           <a:xfrm>
-            <a:off x="988318" y="4762484"/>
-            <a:ext cx="742587" cy="742587"/>
+            <a:off x="410599" y="0"/>
+            <a:ext cx="1428825" cy="1041622"/>
           </a:xfrm>
           <a:prstGeom prst="rect">
             <a:avLst/>
@@ -5529,159 +5607,52 @@
           <a:lstStyle/>
           <a:p>
             <a:pPr algn="ctr"/>
-            <a:r>
-              <a:rPr lang="en-US" altLang="zh-CN" sz="3200" b="1" dirty="0" smtClean="0">
-                <a:latin typeface="微软雅黑" panose="020B0503020204020204" pitchFamily="34" charset="-122"/>
-                <a:ea typeface="微软雅黑" panose="020B0503020204020204" pitchFamily="34" charset="-122"/>
-              </a:rPr>
-              <a:t>3</a:t>
-            </a:r>
-            <a:endParaRPr lang="zh-CN" altLang="en-US" sz="3200" b="1" dirty="0">
-              <a:latin typeface="微软雅黑" panose="020B0503020204020204" pitchFamily="34" charset="-122"/>
-              <a:ea typeface="微软雅黑" panose="020B0503020204020204" pitchFamily="34" charset="-122"/>
-            </a:endParaRPr>
-          </a:p>
-        </p:txBody>
-      </p:sp>
-      <p:sp>
-        <p:nvSpPr>
-          <p:cNvPr id="16" name="文本框 15"/>
-          <p:cNvSpPr txBox="1"/>
+            <a:endParaRPr lang="zh-CN" altLang="en-US"/>
+          </a:p>
+        </p:txBody>
+      </p:sp>
+      <p:sp>
+        <p:nvSpPr>
+          <p:cNvPr id="18" name="矩形 17"/>
+          <p:cNvSpPr/>
           <p:nvPr/>
         </p:nvSpPr>
         <p:spPr>
           <a:xfrm>
-            <a:off x="2087185" y="4762484"/>
-            <a:ext cx="5815775" cy="830997"/>
+            <a:off x="446094" y="422506"/>
+            <a:ext cx="1393330" cy="646331"/>
           </a:xfrm>
           <a:prstGeom prst="rect">
             <a:avLst/>
           </a:prstGeom>
-          <a:noFill/>
-        </p:spPr>
-        <p:txBody>
-          <a:bodyPr wrap="square" rtlCol="0">
+        </p:spPr>
+        <p:txBody>
+          <a:bodyPr wrap="none">
             <a:spAutoFit/>
           </a:bodyPr>
           <a:lstStyle/>
           <a:p>
             <a:r>
-              <a:rPr lang="zh-CN" altLang="en-US" sz="2400" b="1" dirty="0" smtClean="0">
-                <a:solidFill>
-                  <a:srgbClr val="219DC9"/>
-                </a:solidFill>
-                <a:latin typeface="微软雅黑"/>
-                <a:ea typeface="微软雅黑"/>
-                <a:cs typeface="微软雅黑"/>
-              </a:rPr>
-              <a:t>舍弃</a:t>
-            </a:r>
-            <a:r>
-              <a:rPr lang="en-US" altLang="zh-CN" sz="2400" b="1" dirty="0" smtClean="0">
-                <a:solidFill>
-                  <a:srgbClr val="219DC9"/>
-                </a:solidFill>
-                <a:latin typeface="微软雅黑"/>
-                <a:ea typeface="微软雅黑"/>
-                <a:cs typeface="微软雅黑"/>
-              </a:rPr>
-              <a:t>n</a:t>
-            </a:r>
-            <a:r>
-              <a:rPr lang="zh-CN" altLang="en-US" sz="2400" b="1" dirty="0" smtClean="0">
-                <a:solidFill>
-                  <a:srgbClr val="219DC9"/>
-                </a:solidFill>
-                <a:latin typeface="微软雅黑"/>
-                <a:ea typeface="微软雅黑"/>
-                <a:cs typeface="微软雅黑"/>
-              </a:rPr>
-              <a:t>个队列中队列长度为</a:t>
-            </a:r>
-            <a:r>
-              <a:rPr lang="en-US" altLang="zh-CN" sz="2400" b="1" dirty="0" smtClean="0">
-                <a:solidFill>
-                  <a:srgbClr val="219DC9"/>
-                </a:solidFill>
-                <a:latin typeface="微软雅黑"/>
-                <a:ea typeface="微软雅黑"/>
-                <a:cs typeface="微软雅黑"/>
-              </a:rPr>
-              <a:t>1</a:t>
-            </a:r>
-            <a:r>
-              <a:rPr lang="zh-CN" altLang="en-US" sz="2400" b="1" dirty="0" smtClean="0">
-                <a:solidFill>
-                  <a:srgbClr val="219DC9"/>
-                </a:solidFill>
-                <a:latin typeface="微软雅黑"/>
-                <a:ea typeface="微软雅黑"/>
-                <a:cs typeface="微软雅黑"/>
-              </a:rPr>
-              <a:t>个队列</a:t>
-            </a:r>
-            <a:endParaRPr lang="en-US" altLang="zh-CN" sz="2400" b="1" dirty="0" smtClean="0">
-              <a:solidFill>
-                <a:srgbClr val="219DC9"/>
-              </a:solidFill>
-              <a:latin typeface="微软雅黑"/>
-              <a:ea typeface="微软雅黑"/>
-              <a:cs typeface="微软雅黑"/>
-            </a:endParaRPr>
-          </a:p>
-          <a:p>
-            <a:r>
-              <a:rPr lang="zh-CN" altLang="en-US" sz="2400" b="1" dirty="0" smtClean="0">
-                <a:solidFill>
-                  <a:srgbClr val="219DC9"/>
-                </a:solidFill>
-                <a:latin typeface="微软雅黑"/>
-                <a:ea typeface="微软雅黑"/>
-                <a:cs typeface="微软雅黑"/>
-              </a:rPr>
-              <a:t>输出重复的</a:t>
-            </a:r>
-            <a:r>
-              <a:rPr lang="en-US" altLang="zh-CN" sz="2400" b="1" dirty="0" smtClean="0">
-                <a:solidFill>
-                  <a:srgbClr val="219DC9"/>
-                </a:solidFill>
-                <a:latin typeface="微软雅黑"/>
-                <a:ea typeface="微软雅黑"/>
-                <a:cs typeface="微软雅黑"/>
-              </a:rPr>
-              <a:t>paper</a:t>
-            </a:r>
-            <a:r>
-              <a:rPr lang="zh-CN" altLang="en-US" sz="2400" b="1" dirty="0" smtClean="0">
-                <a:solidFill>
-                  <a:srgbClr val="219DC9"/>
-                </a:solidFill>
-                <a:latin typeface="微软雅黑"/>
-                <a:ea typeface="微软雅黑"/>
-                <a:cs typeface="微软雅黑"/>
-              </a:rPr>
-              <a:t>在数据库中的</a:t>
-            </a:r>
-            <a:r>
-              <a:rPr lang="en-US" altLang="zh-CN" sz="2400" b="1" dirty="0" err="1" smtClean="0">
-                <a:solidFill>
-                  <a:srgbClr val="219DC9"/>
-                </a:solidFill>
-                <a:latin typeface="微软雅黑"/>
-                <a:ea typeface="微软雅黑"/>
-                <a:cs typeface="微软雅黑"/>
-              </a:rPr>
-              <a:t>paperId</a:t>
-            </a:r>
-            <a:endParaRPr lang="en-US" altLang="zh-CN" sz="2400" b="1" dirty="0" smtClean="0">
-              <a:solidFill>
-                <a:srgbClr val="219DC9"/>
-              </a:solidFill>
-              <a:latin typeface="微软雅黑"/>
-              <a:ea typeface="微软雅黑"/>
-              <a:cs typeface="微软雅黑"/>
-            </a:endParaRPr>
+              <a:rPr kumimoji="1" lang="zh-CN" altLang="en-US" sz="3600" b="1" dirty="0" smtClean="0">
+                <a:solidFill>
+                  <a:schemeClr val="bg1"/>
+                </a:solidFill>
+                <a:latin typeface="微软雅黑" panose="020B0503020204020204" pitchFamily="34" charset="-122"/>
+                <a:ea typeface="微软雅黑" panose="020B0503020204020204" pitchFamily="34" charset="-122"/>
+              </a:rPr>
+              <a:t>任务</a:t>
+            </a:r>
+            <a:r>
+              <a:rPr kumimoji="1" lang="en-US" altLang="zh-CN" sz="3600" b="1" dirty="0" smtClean="0">
+                <a:solidFill>
+                  <a:schemeClr val="bg1"/>
+                </a:solidFill>
+                <a:latin typeface="微软雅黑" panose="020B0503020204020204" pitchFamily="34" charset="-122"/>
+                <a:ea typeface="微软雅黑" panose="020B0503020204020204" pitchFamily="34" charset="-122"/>
+              </a:rPr>
+              <a:t>4</a:t>
+            </a:r>
+            <a:endParaRPr lang="zh-CN" altLang="en-US" dirty="0"/>
           </a:p>
         </p:txBody>
       </p:sp>
@@ -5768,103 +5739,6 @@
       </p:sp>
       <p:sp>
         <p:nvSpPr>
-          <p:cNvPr id="13" name="矩形 12"/>
-          <p:cNvSpPr/>
-          <p:nvPr/>
-        </p:nvSpPr>
-        <p:spPr>
-          <a:xfrm>
-            <a:off x="457200" y="117995"/>
-            <a:ext cx="1359897" cy="1068837"/>
-          </a:xfrm>
-          <a:prstGeom prst="rect">
-            <a:avLst/>
-          </a:prstGeom>
-          <a:solidFill>
-            <a:srgbClr val="219DC9"/>
-          </a:solidFill>
-          <a:ln>
-            <a:noFill/>
-          </a:ln>
-        </p:spPr>
-        <p:style>
-          <a:lnRef idx="2">
-            <a:schemeClr val="accent1">
-              <a:shade val="50000"/>
-            </a:schemeClr>
-          </a:lnRef>
-          <a:fillRef idx="1">
-            <a:schemeClr val="accent1"/>
-          </a:fillRef>
-          <a:effectRef idx="0">
-            <a:schemeClr val="accent1"/>
-          </a:effectRef>
-          <a:fontRef idx="minor">
-            <a:schemeClr val="lt1"/>
-          </a:fontRef>
-        </p:style>
-        <p:txBody>
-          <a:bodyPr rtlCol="0" anchor="ctr"/>
-          <a:lstStyle/>
-          <a:p>
-            <a:pPr algn="ctr"/>
-            <a:endParaRPr lang="zh-CN" altLang="en-US"/>
-          </a:p>
-        </p:txBody>
-      </p:sp>
-      <p:sp>
-        <p:nvSpPr>
-          <p:cNvPr id="14" name="矩形 13"/>
-          <p:cNvSpPr/>
-          <p:nvPr/>
-        </p:nvSpPr>
-        <p:spPr>
-          <a:xfrm>
-            <a:off x="446094" y="422506"/>
-            <a:ext cx="1324402" cy="646331"/>
-          </a:xfrm>
-          <a:prstGeom prst="rect">
-            <a:avLst/>
-          </a:prstGeom>
-        </p:spPr>
-        <p:txBody>
-          <a:bodyPr wrap="none">
-            <a:spAutoFit/>
-          </a:bodyPr>
-          <a:lstStyle/>
-          <a:p>
-            <a:r>
-              <a:rPr kumimoji="1" lang="zh-CN" altLang="en-US" sz="3600" b="1" dirty="0" smtClean="0">
-                <a:solidFill>
-                  <a:schemeClr val="bg1"/>
-                </a:solidFill>
-                <a:latin typeface="方正大黑_GBK" panose="03000509000000000000" pitchFamily="65" charset="-122"/>
-                <a:ea typeface="方正大黑_GBK" panose="03000509000000000000" pitchFamily="65" charset="-122"/>
-              </a:rPr>
-              <a:t>任务</a:t>
-            </a:r>
-            <a:r>
-              <a:rPr kumimoji="1" lang="en-US" altLang="zh-CN" sz="3600" b="1" dirty="0" smtClean="0">
-                <a:solidFill>
-                  <a:schemeClr val="bg1"/>
-                </a:solidFill>
-                <a:latin typeface="方正大黑_GBK" panose="03000509000000000000" pitchFamily="65" charset="-122"/>
-                <a:ea typeface="方正大黑_GBK" panose="03000509000000000000" pitchFamily="65" charset="-122"/>
-              </a:rPr>
-              <a:t>4</a:t>
-            </a:r>
-            <a:endParaRPr kumimoji="1" lang="zh-CN" altLang="en-US" sz="3600" b="1" dirty="0">
-              <a:solidFill>
-                <a:schemeClr val="bg1"/>
-              </a:solidFill>
-              <a:latin typeface="方正大黑_GBK" panose="03000509000000000000" pitchFamily="65" charset="-122"/>
-              <a:ea typeface="方正大黑_GBK" panose="03000509000000000000" pitchFamily="65" charset="-122"/>
-            </a:endParaRPr>
-          </a:p>
-        </p:txBody>
-      </p:sp>
-      <p:sp>
-        <p:nvSpPr>
           <p:cNvPr id="19" name="矩形 18"/>
           <p:cNvSpPr/>
           <p:nvPr/>
@@ -5872,7 +5746,7 @@
         <p:spPr>
           <a:xfrm>
             <a:off x="2087185" y="473398"/>
-            <a:ext cx="3098925" cy="646331"/>
+            <a:ext cx="3156633" cy="646331"/>
           </a:xfrm>
           <a:prstGeom prst="rect">
             <a:avLst/>
@@ -5892,8 +5766,8 @@
                     <a:lumOff val="40000"/>
                   </a:schemeClr>
                 </a:solidFill>
-                <a:latin typeface="方正大黑_GBK" panose="03000509000000000000" pitchFamily="65" charset="-122"/>
-                <a:ea typeface="方正大黑_GBK" panose="03000509000000000000" pitchFamily="65" charset="-122"/>
+                <a:latin typeface="微软雅黑" panose="020B0503020204020204" pitchFamily="34" charset="-122"/>
+                <a:ea typeface="微软雅黑" panose="020B0503020204020204" pitchFamily="34" charset="-122"/>
               </a:rPr>
               <a:t>重复检测</a:t>
             </a:r>
@@ -5905,8 +5779,8 @@
                     <a:lumOff val="40000"/>
                   </a:schemeClr>
                 </a:solidFill>
-                <a:latin typeface="方正大黑_GBK" panose="03000509000000000000" pitchFamily="65" charset="-122"/>
-                <a:ea typeface="方正大黑_GBK" panose="03000509000000000000" pitchFamily="65" charset="-122"/>
+                <a:latin typeface="微软雅黑" panose="020B0503020204020204" pitchFamily="34" charset="-122"/>
+                <a:ea typeface="微软雅黑" panose="020B0503020204020204" pitchFamily="34" charset="-122"/>
               </a:rPr>
               <a:t>-</a:t>
             </a:r>
@@ -5918,8 +5792,8 @@
                     <a:lumOff val="40000"/>
                   </a:schemeClr>
                 </a:solidFill>
-                <a:latin typeface="方正大黑_GBK" panose="03000509000000000000" pitchFamily="65" charset="-122"/>
-                <a:ea typeface="方正大黑_GBK" panose="03000509000000000000" pitchFamily="65" charset="-122"/>
+                <a:latin typeface="微软雅黑" panose="020B0503020204020204" pitchFamily="34" charset="-122"/>
+                <a:ea typeface="微软雅黑" panose="020B0503020204020204" pitchFamily="34" charset="-122"/>
               </a:rPr>
               <a:t>结果</a:t>
             </a:r>
@@ -5930,8 +5804,8 @@
                   <a:lumOff val="40000"/>
                 </a:schemeClr>
               </a:solidFill>
-              <a:latin typeface="方正大黑_GBK" panose="03000509000000000000" pitchFamily="65" charset="-122"/>
-              <a:ea typeface="方正大黑_GBK" panose="03000509000000000000" pitchFamily="65" charset="-122"/>
+              <a:latin typeface="微软雅黑" panose="020B0503020204020204" pitchFamily="34" charset="-122"/>
+              <a:ea typeface="微软雅黑" panose="020B0503020204020204" pitchFamily="34" charset="-122"/>
             </a:endParaRPr>
           </a:p>
         </p:txBody>
@@ -5965,6 +5839,97 @@
           </a:xfrm>
         </p:spPr>
       </p:pic>
+      <p:sp>
+        <p:nvSpPr>
+          <p:cNvPr id="7" name="矩形 6"/>
+          <p:cNvSpPr/>
+          <p:nvPr/>
+        </p:nvSpPr>
+        <p:spPr>
+          <a:xfrm>
+            <a:off x="410599" y="0"/>
+            <a:ext cx="1428825" cy="1041622"/>
+          </a:xfrm>
+          <a:prstGeom prst="rect">
+            <a:avLst/>
+          </a:prstGeom>
+          <a:solidFill>
+            <a:srgbClr val="219DC9"/>
+          </a:solidFill>
+          <a:ln>
+            <a:noFill/>
+          </a:ln>
+        </p:spPr>
+        <p:style>
+          <a:lnRef idx="2">
+            <a:schemeClr val="accent1">
+              <a:shade val="50000"/>
+            </a:schemeClr>
+          </a:lnRef>
+          <a:fillRef idx="1">
+            <a:schemeClr val="accent1"/>
+          </a:fillRef>
+          <a:effectRef idx="0">
+            <a:schemeClr val="accent1"/>
+          </a:effectRef>
+          <a:fontRef idx="minor">
+            <a:schemeClr val="lt1"/>
+          </a:fontRef>
+        </p:style>
+        <p:txBody>
+          <a:bodyPr rtlCol="0" anchor="ctr"/>
+          <a:lstStyle/>
+          <a:p>
+            <a:pPr algn="ctr"/>
+            <a:endParaRPr lang="zh-CN" altLang="en-US"/>
+          </a:p>
+        </p:txBody>
+      </p:sp>
+      <p:sp>
+        <p:nvSpPr>
+          <p:cNvPr id="8" name="矩形 7"/>
+          <p:cNvSpPr/>
+          <p:nvPr/>
+        </p:nvSpPr>
+        <p:spPr>
+          <a:xfrm>
+            <a:off x="446094" y="422506"/>
+            <a:ext cx="1393330" cy="646331"/>
+          </a:xfrm>
+          <a:prstGeom prst="rect">
+            <a:avLst/>
+          </a:prstGeom>
+        </p:spPr>
+        <p:txBody>
+          <a:bodyPr wrap="none">
+            <a:spAutoFit/>
+          </a:bodyPr>
+          <a:lstStyle/>
+          <a:p>
+            <a:r>
+              <a:rPr kumimoji="1" lang="zh-CN" altLang="en-US" sz="3600" b="1" dirty="0" smtClean="0">
+                <a:solidFill>
+                  <a:schemeClr val="bg1"/>
+                </a:solidFill>
+                <a:latin typeface="微软雅黑" panose="020B0503020204020204" pitchFamily="34" charset="-122"/>
+                <a:ea typeface="微软雅黑" panose="020B0503020204020204" pitchFamily="34" charset="-122"/>
+              </a:rPr>
+              <a:t>任务</a:t>
+            </a:r>
+            <a:r>
+              <a:rPr kumimoji="1" lang="en-US" altLang="zh-CN" sz="3600" b="1" dirty="0" smtClean="0">
+                <a:solidFill>
+                  <a:schemeClr val="bg1"/>
+                </a:solidFill>
+                <a:latin typeface="微软雅黑" panose="020B0503020204020204" pitchFamily="34" charset="-122"/>
+                <a:ea typeface="微软雅黑" panose="020B0503020204020204" pitchFamily="34" charset="-122"/>
+              </a:rPr>
+              <a:t>4</a:t>
+            </a:r>
+            <a:endParaRPr lang="zh-CN" altLang="en-US" dirty="0"/>
+          </a:p>
+        </p:txBody>
+      </p:sp>
     </p:spTree>
     <p:extLst>
       <p:ext uri="{BB962C8B-B14F-4D97-AF65-F5344CB8AC3E}">
@@ -6042,7 +6007,8 @@
                 <a:solidFill>
                   <a:schemeClr val="bg1"/>
                 </a:solidFill>
-                <a:latin typeface="Avenir Heavy"/>
+                <a:latin typeface="微软雅黑" panose="020B0503020204020204" pitchFamily="34" charset="-122"/>
+                <a:ea typeface="微软雅黑" panose="020B0503020204020204" pitchFamily="34" charset="-122"/>
                 <a:cs typeface="Avenir Heavy"/>
               </a:rPr>
               <a:t>Thank</a:t>
@@ -6052,7 +6018,8 @@
                 <a:solidFill>
                   <a:schemeClr val="bg1"/>
                 </a:solidFill>
-                <a:latin typeface="Avenir Heavy"/>
+                <a:latin typeface="微软雅黑" panose="020B0503020204020204" pitchFamily="34" charset="-122"/>
+                <a:ea typeface="微软雅黑" panose="020B0503020204020204" pitchFamily="34" charset="-122"/>
                 <a:cs typeface="Avenir Heavy"/>
               </a:rPr>
               <a:t> </a:t>
@@ -6062,7 +6029,8 @@
                 <a:solidFill>
                   <a:schemeClr val="bg1"/>
                 </a:solidFill>
-                <a:latin typeface="Avenir Heavy"/>
+                <a:latin typeface="微软雅黑" panose="020B0503020204020204" pitchFamily="34" charset="-122"/>
+                <a:ea typeface="微软雅黑" panose="020B0503020204020204" pitchFamily="34" charset="-122"/>
                 <a:cs typeface="Avenir Heavy"/>
               </a:rPr>
               <a:t>you</a:t>
@@ -6071,7 +6039,8 @@
               <a:solidFill>
                 <a:schemeClr val="bg1"/>
               </a:solidFill>
-              <a:latin typeface="Avenir Heavy"/>
+              <a:latin typeface="微软雅黑" panose="020B0503020204020204" pitchFamily="34" charset="-122"/>
+              <a:ea typeface="微软雅黑" panose="020B0503020204020204" pitchFamily="34" charset="-122"/>
               <a:cs typeface="Avenir Heavy"/>
             </a:endParaRPr>
           </a:p>
@@ -6230,8 +6199,8 @@
                 <a:solidFill>
                   <a:schemeClr val="bg1"/>
                 </a:solidFill>
-                <a:latin typeface="方正大黑_GBK" panose="03000509000000000000" pitchFamily="65" charset="-122"/>
-                <a:ea typeface="方正大黑_GBK" panose="03000509000000000000" pitchFamily="65" charset="-122"/>
+                <a:latin typeface="微软雅黑" panose="020B0503020204020204" pitchFamily="34" charset="-122"/>
+                <a:ea typeface="微软雅黑" panose="020B0503020204020204" pitchFamily="34" charset="-122"/>
               </a:rPr>
               <a:t>任务</a:t>
             </a:r>
@@ -6239,8 +6208,8 @@
               <a:solidFill>
                 <a:schemeClr val="bg1"/>
               </a:solidFill>
-              <a:latin typeface="方正大黑_GBK" panose="03000509000000000000" pitchFamily="65" charset="-122"/>
-              <a:ea typeface="方正大黑_GBK" panose="03000509000000000000" pitchFamily="65" charset="-122"/>
+              <a:latin typeface="微软雅黑" panose="020B0503020204020204" pitchFamily="34" charset="-122"/>
+              <a:ea typeface="微软雅黑" panose="020B0503020204020204" pitchFamily="34" charset="-122"/>
             </a:endParaRPr>
           </a:p>
         </p:txBody>
@@ -6399,18 +6368,7 @@
                 <a:ea typeface="微软雅黑"/>
                 <a:cs typeface="微软雅黑"/>
               </a:rPr>
-              <a:t>条文献</a:t>
-            </a:r>
-            <a:r>
-              <a:rPr kumimoji="1" lang="zh-CN" altLang="en-US" sz="2400" b="1" dirty="0" smtClean="0">
-                <a:solidFill>
-                  <a:srgbClr val="219DC9"/>
-                </a:solidFill>
-                <a:latin typeface="微软雅黑"/>
-                <a:ea typeface="微软雅黑"/>
-                <a:cs typeface="微软雅黑"/>
-              </a:rPr>
-              <a:t>记录</a:t>
+              <a:t>条文献记录</a:t>
             </a:r>
             <a:r>
               <a:rPr kumimoji="1" lang="en-US" altLang="zh-CN" sz="2400" b="1" dirty="0" smtClean="0">
@@ -6683,7 +6641,7 @@
         <p:spPr>
           <a:xfrm>
             <a:off x="636137" y="395291"/>
-            <a:ext cx="756938" cy="646331"/>
+            <a:ext cx="678391" cy="646331"/>
           </a:xfrm>
           <a:prstGeom prst="rect">
             <a:avLst/>
@@ -6700,8 +6658,8 @@
                 <a:solidFill>
                   <a:schemeClr val="bg1"/>
                 </a:solidFill>
-                <a:latin typeface="方正大黑_GBK" panose="03000509000000000000" pitchFamily="65" charset="-122"/>
-                <a:ea typeface="方正大黑_GBK" panose="03000509000000000000" pitchFamily="65" charset="-122"/>
+                <a:latin typeface="微软雅黑" panose="020B0503020204020204" pitchFamily="34" charset="-122"/>
+                <a:ea typeface="微软雅黑" panose="020B0503020204020204" pitchFamily="34" charset="-122"/>
               </a:rPr>
               <a:t>JS</a:t>
             </a:r>
@@ -6709,8 +6667,8 @@
               <a:solidFill>
                 <a:schemeClr val="bg1"/>
               </a:solidFill>
-              <a:latin typeface="方正大黑_GBK" panose="03000509000000000000" pitchFamily="65" charset="-122"/>
-              <a:ea typeface="方正大黑_GBK" panose="03000509000000000000" pitchFamily="65" charset="-122"/>
+              <a:latin typeface="微软雅黑" panose="020B0503020204020204" pitchFamily="34" charset="-122"/>
+              <a:ea typeface="微软雅黑" panose="020B0503020204020204" pitchFamily="34" charset="-122"/>
             </a:endParaRPr>
           </a:p>
         </p:txBody>
@@ -6980,14 +6938,6 @@
               </a:rPr>
               <a:t>data8.txt</a:t>
             </a:r>
-            <a:endParaRPr kumimoji="1" lang="en-US" altLang="zh-CN" sz="2800" b="1" dirty="0" smtClean="0">
-              <a:solidFill>
-                <a:srgbClr val="219DC9"/>
-              </a:solidFill>
-              <a:latin typeface="微软雅黑"/>
-              <a:ea typeface="微软雅黑"/>
-              <a:cs typeface="微软雅黑"/>
-            </a:endParaRPr>
           </a:p>
         </p:txBody>
       </p:sp>
@@ -7157,7 +7107,7 @@
         <p:spPr>
           <a:xfrm>
             <a:off x="446094" y="422506"/>
-            <a:ext cx="1621733" cy="646331"/>
+            <a:ext cx="1643399" cy="646331"/>
           </a:xfrm>
           <a:prstGeom prst="rect">
             <a:avLst/>
@@ -7174,8 +7124,8 @@
                 <a:solidFill>
                   <a:schemeClr val="bg1"/>
                 </a:solidFill>
-                <a:latin typeface="方正大黑_GBK" panose="03000509000000000000" pitchFamily="65" charset="-122"/>
-                <a:ea typeface="方正大黑_GBK" panose="03000509000000000000" pitchFamily="65" charset="-122"/>
+                <a:latin typeface="微软雅黑" panose="020B0503020204020204" pitchFamily="34" charset="-122"/>
+                <a:ea typeface="微软雅黑" panose="020B0503020204020204" pitchFamily="34" charset="-122"/>
               </a:rPr>
               <a:t>HBase</a:t>
             </a:r>
@@ -7183,8 +7133,8 @@
               <a:solidFill>
                 <a:schemeClr val="bg1"/>
               </a:solidFill>
-              <a:latin typeface="方正大黑_GBK" panose="03000509000000000000" pitchFamily="65" charset="-122"/>
-              <a:ea typeface="方正大黑_GBK" panose="03000509000000000000" pitchFamily="65" charset="-122"/>
+              <a:latin typeface="微软雅黑" panose="020B0503020204020204" pitchFamily="34" charset="-122"/>
+              <a:ea typeface="微软雅黑" panose="020B0503020204020204" pitchFamily="34" charset="-122"/>
             </a:endParaRPr>
           </a:p>
         </p:txBody>
@@ -7218,6 +7168,141 @@
               </a:rPr>
               <a:t>conference</a:t>
             </a:r>
+          </a:p>
+          <a:p>
+            <a:r>
+              <a:rPr kumimoji="1" lang="en-US" altLang="zh-CN" sz="1200" dirty="0" smtClean="0">
+                <a:latin typeface="Courier"/>
+                <a:cs typeface="Courier"/>
+              </a:rPr>
+              <a:t>-------------------------------------------------------------------------</a:t>
+            </a:r>
+          </a:p>
+          <a:p>
+            <a:r>
+              <a:rPr kumimoji="1" lang="en-US" altLang="zh-CN" sz="1200" dirty="0" smtClean="0">
+                <a:latin typeface="Courier"/>
+                <a:cs typeface="Courier"/>
+              </a:rPr>
+              <a:t> </a:t>
+            </a:r>
+            <a:r>
+              <a:rPr kumimoji="1" lang="en-US" altLang="zh-CN" sz="1200" dirty="0" err="1" smtClean="0">
+                <a:latin typeface="Courier"/>
+                <a:cs typeface="Courier"/>
+              </a:rPr>
+              <a:t>rowkey</a:t>
+            </a:r>
+            <a:r>
+              <a:rPr kumimoji="1" lang="en-US" altLang="zh-CN" sz="1200" dirty="0" smtClean="0">
+                <a:latin typeface="Courier"/>
+                <a:cs typeface="Courier"/>
+              </a:rPr>
+              <a:t>       |             information</a:t>
+            </a:r>
+          </a:p>
+          <a:p>
+            <a:r>
+              <a:rPr kumimoji="1" lang="en-US" altLang="zh-CN" sz="1200" dirty="0" smtClean="0">
+                <a:latin typeface="Courier"/>
+                <a:cs typeface="Courier"/>
+              </a:rPr>
+              <a:t>	         -----------------------------------------------------------</a:t>
+            </a:r>
+          </a:p>
+          <a:p>
+            <a:r>
+              <a:rPr kumimoji="1" lang="en-US" altLang="zh-CN" sz="1200" dirty="0" smtClean="0">
+                <a:latin typeface="Courier"/>
+                <a:cs typeface="Courier"/>
+              </a:rPr>
+              <a:t>	         | title | year | conference | </a:t>
+            </a:r>
+            <a:r>
+              <a:rPr kumimoji="1" lang="en-US" altLang="zh-CN" sz="1200" dirty="0">
+                <a:latin typeface="Courier"/>
+                <a:cs typeface="Courier"/>
+              </a:rPr>
+              <a:t>author </a:t>
+            </a:r>
+            <a:r>
+              <a:rPr kumimoji="1" lang="en-US" altLang="zh-CN" sz="1200" dirty="0" smtClean="0">
+                <a:latin typeface="Courier"/>
+                <a:cs typeface="Courier"/>
+              </a:rPr>
+              <a:t>| </a:t>
+            </a:r>
+            <a:r>
+              <a:rPr kumimoji="1" lang="en-US" altLang="zh-CN" sz="1200" dirty="0" err="1" smtClean="0">
+                <a:latin typeface="Courier"/>
+                <a:cs typeface="Courier"/>
+              </a:rPr>
+              <a:t>typeUser</a:t>
+            </a:r>
+            <a:r>
+              <a:rPr kumimoji="1" lang="en-US" altLang="zh-CN" sz="1200" dirty="0" smtClean="0">
+                <a:latin typeface="Courier"/>
+                <a:cs typeface="Courier"/>
+              </a:rPr>
+              <a:t> | </a:t>
+            </a:r>
+            <a:r>
+              <a:rPr kumimoji="1" lang="en-US" altLang="zh-CN" sz="1200" dirty="0" err="1" smtClean="0">
+                <a:latin typeface="Courier"/>
+                <a:cs typeface="Courier"/>
+              </a:rPr>
+              <a:t>typeDate</a:t>
+            </a:r>
+            <a:r>
+              <a:rPr kumimoji="1" lang="en-US" altLang="zh-CN" sz="1200" dirty="0" smtClean="0">
+                <a:latin typeface="Courier"/>
+                <a:cs typeface="Courier"/>
+              </a:rPr>
+              <a:t>  </a:t>
+            </a:r>
+          </a:p>
+          <a:p>
+            <a:r>
+              <a:rPr kumimoji="1" lang="en-US" altLang="zh-CN" sz="1200" dirty="0" smtClean="0">
+                <a:latin typeface="Courier"/>
+                <a:cs typeface="Courier"/>
+              </a:rPr>
+              <a:t>-------------------------------------------------------------------------</a:t>
+            </a:r>
+          </a:p>
+          <a:p>
+            <a:r>
+              <a:rPr kumimoji="1" lang="en-US" altLang="zh-CN" sz="1200" dirty="0" smtClean="0">
+                <a:latin typeface="Courier"/>
+                <a:cs typeface="Courier"/>
+              </a:rPr>
+              <a:t> </a:t>
+            </a:r>
+            <a:r>
+              <a:rPr kumimoji="1" lang="en-US" altLang="zh-CN" sz="1200" dirty="0" err="1" smtClean="0">
+                <a:latin typeface="Courier"/>
+                <a:cs typeface="Courier"/>
+              </a:rPr>
+              <a:t>paperId</a:t>
+            </a:r>
+            <a:r>
+              <a:rPr kumimoji="1" lang="en-US" altLang="zh-CN" sz="1200" dirty="0" smtClean="0">
+                <a:latin typeface="Courier"/>
+                <a:cs typeface="Courier"/>
+              </a:rPr>
+              <a:t>      |</a:t>
+            </a:r>
+          </a:p>
+          <a:p>
+            <a:r>
+              <a:rPr kumimoji="1" lang="en-US" altLang="zh-CN" sz="1200" dirty="0" smtClean="0">
+                <a:latin typeface="Courier"/>
+                <a:cs typeface="Courier"/>
+              </a:rPr>
+              <a:t>-------------------------------------------------------------------------</a:t>
+            </a:r>
+          </a:p>
+          <a:p>
             <a:endParaRPr kumimoji="1" lang="en-US" altLang="zh-CN" sz="1200" dirty="0" smtClean="0">
               <a:latin typeface="Courier"/>
               <a:cs typeface="Courier"/>
@@ -7229,6 +7314,15 @@
                 <a:latin typeface="Courier"/>
                 <a:cs typeface="Courier"/>
               </a:rPr>
+              <a:t>comment</a:t>
+            </a:r>
+          </a:p>
+          <a:p>
+            <a:r>
+              <a:rPr kumimoji="1" lang="en-US" altLang="zh-CN" sz="1200" dirty="0">
+                <a:latin typeface="Courier"/>
+                <a:cs typeface="Courier"/>
+              </a:rPr>
               <a:t>-------------------------------------------------------------------------</a:t>
             </a:r>
             <a:endParaRPr kumimoji="1" lang="en-US" altLang="zh-CN" sz="1200" dirty="0" smtClean="0">
@@ -7256,23 +7350,35 @@
                 <a:latin typeface="Courier"/>
                 <a:cs typeface="Courier"/>
               </a:rPr>
-              <a:t>       |             information</a:t>
-            </a:r>
-          </a:p>
-          <a:p>
+              <a:t>       </a:t>
+            </a:r>
+            <a:r>
+              <a:rPr kumimoji="1" lang="en-US" altLang="zh-CN" sz="1200" dirty="0">
+                <a:latin typeface="Courier"/>
+                <a:cs typeface="Courier"/>
+              </a:rPr>
+              <a:t>|      </a:t>
+            </a:r>
+            <a:r>
+              <a:rPr kumimoji="1" lang="en-US" altLang="zh-CN" sz="1200" dirty="0" err="1" smtClean="0">
+                <a:latin typeface="Courier"/>
+                <a:cs typeface="Courier"/>
+              </a:rPr>
+              <a:t>commentUser</a:t>
+            </a:r>
             <a:r>
               <a:rPr kumimoji="1" lang="en-US" altLang="zh-CN" sz="1200" dirty="0" smtClean="0">
                 <a:latin typeface="Courier"/>
                 <a:cs typeface="Courier"/>
               </a:rPr>
-              <a:t>	         </a:t>
-            </a:r>
-            <a:r>
-              <a:rPr kumimoji="1" lang="en-US" altLang="zh-CN" sz="1200" dirty="0" smtClean="0">
+              <a:t>           |      </a:t>
+            </a:r>
+            <a:r>
+              <a:rPr kumimoji="1" lang="en-US" altLang="zh-CN" sz="1200" dirty="0" err="1" smtClean="0">
                 <a:latin typeface="Courier"/>
                 <a:cs typeface="Courier"/>
               </a:rPr>
-              <a:t>-----------------------------------------------------------</a:t>
+              <a:t>commentDate</a:t>
             </a:r>
             <a:endParaRPr kumimoji="1" lang="en-US" altLang="zh-CN" sz="1200" dirty="0" smtClean="0">
               <a:latin typeface="Courier"/>
@@ -7285,49 +7391,14 @@
                 <a:latin typeface="Courier"/>
                 <a:cs typeface="Courier"/>
               </a:rPr>
-              <a:t>	         | title | year | conference | </a:t>
+              <a:t>	         </a:t>
             </a:r>
             <a:r>
               <a:rPr kumimoji="1" lang="en-US" altLang="zh-CN" sz="1200" dirty="0">
                 <a:latin typeface="Courier"/>
                 <a:cs typeface="Courier"/>
               </a:rPr>
-              <a:t>author </a:t>
-            </a:r>
-            <a:r>
-              <a:rPr kumimoji="1" lang="en-US" altLang="zh-CN" sz="1200" dirty="0" smtClean="0">
-                <a:latin typeface="Courier"/>
-                <a:cs typeface="Courier"/>
-              </a:rPr>
-              <a:t>| </a:t>
-            </a:r>
-            <a:r>
-              <a:rPr kumimoji="1" lang="en-US" altLang="zh-CN" sz="1200" dirty="0" err="1" smtClean="0">
-                <a:latin typeface="Courier"/>
-                <a:cs typeface="Courier"/>
-              </a:rPr>
-              <a:t>typeUser</a:t>
-            </a:r>
-            <a:r>
-              <a:rPr kumimoji="1" lang="en-US" altLang="zh-CN" sz="1200" dirty="0" smtClean="0">
-                <a:latin typeface="Courier"/>
-                <a:cs typeface="Courier"/>
-              </a:rPr>
-              <a:t> | </a:t>
-            </a:r>
-            <a:r>
-              <a:rPr kumimoji="1" lang="en-US" altLang="zh-CN" sz="1200" dirty="0" err="1" smtClean="0">
-                <a:latin typeface="Courier"/>
-                <a:cs typeface="Courier"/>
-              </a:rPr>
-              <a:t>typeDate</a:t>
-            </a:r>
-            <a:r>
-              <a:rPr kumimoji="1" lang="en-US" altLang="zh-CN" sz="1200" dirty="0" smtClean="0">
-                <a:latin typeface="Courier"/>
-                <a:cs typeface="Courier"/>
-              </a:rPr>
-              <a:t>  </a:t>
+              <a:t>-----------------------------------------------------------</a:t>
             </a:r>
             <a:endParaRPr kumimoji="1" lang="en-US" altLang="zh-CN" sz="1200" dirty="0" smtClean="0">
               <a:latin typeface="Courier"/>
@@ -7340,7 +7411,63 @@
                 <a:latin typeface="Courier"/>
                 <a:cs typeface="Courier"/>
               </a:rPr>
-              <a:t>-------------------------------------------------------------------------</a:t>
+              <a:t>	         | </a:t>
+            </a:r>
+            <a:r>
+              <a:rPr kumimoji="1" lang="en-US" altLang="zh-CN" sz="1200" dirty="0" err="1" smtClean="0">
+                <a:latin typeface="Courier"/>
+                <a:cs typeface="Courier"/>
+              </a:rPr>
+              <a:t>commentId</a:t>
+            </a:r>
+            <a:r>
+              <a:rPr kumimoji="1" lang="en-US" altLang="zh-CN" sz="1200" dirty="0" smtClean="0">
+                <a:latin typeface="Courier"/>
+                <a:cs typeface="Courier"/>
+              </a:rPr>
+              <a:t> | </a:t>
+            </a:r>
+            <a:r>
+              <a:rPr kumimoji="1" lang="en-US" altLang="zh-CN" sz="1200" dirty="0">
+                <a:latin typeface="Courier"/>
+                <a:cs typeface="Courier"/>
+              </a:rPr>
+              <a:t>... </a:t>
+            </a:r>
+            <a:r>
+              <a:rPr kumimoji="1" lang="en-US" altLang="zh-CN" sz="1200" dirty="0" smtClean="0">
+                <a:latin typeface="Courier"/>
+                <a:cs typeface="Courier"/>
+              </a:rPr>
+              <a:t>           | </a:t>
+            </a:r>
+            <a:r>
+              <a:rPr kumimoji="1" lang="en-US" altLang="zh-CN" sz="1200" dirty="0" err="1">
+                <a:latin typeface="Courier"/>
+                <a:cs typeface="Courier"/>
+              </a:rPr>
+              <a:t>commentId</a:t>
+            </a:r>
+            <a:r>
+              <a:rPr kumimoji="1" lang="en-US" altLang="zh-CN" sz="1200" dirty="0">
+                <a:latin typeface="Courier"/>
+                <a:cs typeface="Courier"/>
+              </a:rPr>
+              <a:t> </a:t>
+            </a:r>
+            <a:r>
+              <a:rPr kumimoji="1" lang="en-US" altLang="zh-CN" sz="1200" dirty="0" smtClean="0">
+                <a:latin typeface="Courier"/>
+                <a:cs typeface="Courier"/>
+              </a:rPr>
+              <a:t> | </a:t>
+            </a:r>
+            <a:r>
+              <a:rPr kumimoji="1" lang="en-US" altLang="zh-CN" sz="1200" dirty="0">
+                <a:latin typeface="Courier"/>
+                <a:cs typeface="Courier"/>
+              </a:rPr>
+              <a:t>... </a:t>
             </a:r>
             <a:endParaRPr kumimoji="1" lang="en-US" altLang="zh-CN" sz="1200" dirty="0" smtClean="0">
               <a:latin typeface="Courier"/>
@@ -7349,25 +7476,11 @@
           </a:p>
           <a:p>
             <a:r>
-              <a:rPr kumimoji="1" lang="en-US" altLang="zh-CN" sz="1200" dirty="0" smtClean="0">
+              <a:rPr kumimoji="1" lang="en-US" altLang="zh-CN" sz="1200" dirty="0">
                 <a:latin typeface="Courier"/>
                 <a:cs typeface="Courier"/>
               </a:rPr>
-              <a:t> </a:t>
-            </a:r>
-            <a:r>
-              <a:rPr kumimoji="1" lang="en-US" altLang="zh-CN" sz="1200" dirty="0" err="1" smtClean="0">
-                <a:latin typeface="Courier"/>
-                <a:cs typeface="Courier"/>
-              </a:rPr>
-              <a:t>paperId</a:t>
-            </a:r>
-            <a:r>
-              <a:rPr kumimoji="1" lang="en-US" altLang="zh-CN" sz="1200" dirty="0" smtClean="0">
-                <a:latin typeface="Courier"/>
-                <a:cs typeface="Courier"/>
-              </a:rPr>
-              <a:t>      |</a:t>
+              <a:t>-------------------------------------------------------------------------</a:t>
             </a:r>
             <a:endParaRPr kumimoji="1" lang="en-US" altLang="zh-CN" sz="1200" dirty="0" smtClean="0">
               <a:latin typeface="Courier"/>
@@ -7380,263 +7493,50 @@
                 <a:latin typeface="Courier"/>
                 <a:cs typeface="Courier"/>
               </a:rPr>
-              <a:t>-------------------------------------------------------------------------</a:t>
-            </a:r>
-            <a:endParaRPr kumimoji="1" lang="en-US" altLang="zh-CN" sz="1200" dirty="0" smtClean="0">
-              <a:latin typeface="Courier"/>
-              <a:cs typeface="Courier"/>
-            </a:endParaRPr>
-          </a:p>
-          <a:p>
-            <a:endParaRPr kumimoji="1" lang="en-US" altLang="zh-CN" sz="1200" dirty="0" smtClean="0">
-              <a:latin typeface="Courier"/>
-              <a:cs typeface="Courier"/>
-            </a:endParaRPr>
-          </a:p>
-          <a:p>
+              <a:t> </a:t>
+            </a:r>
+            <a:r>
+              <a:rPr kumimoji="1" lang="en-US" altLang="zh-CN" sz="1200" dirty="0" err="1" smtClean="0">
+                <a:latin typeface="Courier"/>
+                <a:cs typeface="Courier"/>
+              </a:rPr>
+              <a:t>paperId</a:t>
+            </a:r>
             <a:r>
               <a:rPr kumimoji="1" lang="en-US" altLang="zh-CN" sz="1200" dirty="0" smtClean="0">
                 <a:latin typeface="Courier"/>
                 <a:cs typeface="Courier"/>
               </a:rPr>
-              <a:t>comment</a:t>
-            </a:r>
-            <a:endParaRPr kumimoji="1" lang="en-US" altLang="zh-CN" sz="1200" dirty="0" smtClean="0">
-              <a:latin typeface="Courier"/>
-              <a:cs typeface="Courier"/>
-            </a:endParaRPr>
-          </a:p>
-          <a:p>
+              <a:t>      | </a:t>
+            </a:r>
             <a:r>
               <a:rPr kumimoji="1" lang="en-US" altLang="zh-CN" sz="1200" dirty="0">
                 <a:latin typeface="Courier"/>
                 <a:cs typeface="Courier"/>
               </a:rPr>
-              <a:t>-------------------------------------------------------------------------</a:t>
-            </a:r>
-            <a:endParaRPr kumimoji="1" lang="en-US" altLang="zh-CN" sz="1200" dirty="0" smtClean="0">
-              <a:latin typeface="Courier"/>
-              <a:cs typeface="Courier"/>
-            </a:endParaRPr>
-          </a:p>
-          <a:p>
+              <a:t>username  |                </a:t>
+            </a:r>
             <a:r>
               <a:rPr kumimoji="1" lang="en-US" altLang="zh-CN" sz="1200" dirty="0" smtClean="0">
                 <a:latin typeface="Courier"/>
                 <a:cs typeface="Courier"/>
               </a:rPr>
-              <a:t> </a:t>
+              <a:t>| </a:t>
             </a:r>
             <a:r>
               <a:rPr kumimoji="1" lang="en-US" altLang="zh-CN" sz="1200" dirty="0" err="1" smtClean="0">
                 <a:latin typeface="Courier"/>
                 <a:cs typeface="Courier"/>
               </a:rPr>
-              <a:t>rowkey</a:t>
+              <a:t>commentDate</a:t>
             </a:r>
             <a:r>
               <a:rPr kumimoji="1" lang="en-US" altLang="zh-CN" sz="1200" dirty="0" smtClean="0">
                 <a:latin typeface="Courier"/>
                 <a:cs typeface="Courier"/>
               </a:rPr>
-              <a:t>       </a:t>
-            </a:r>
-            <a:r>
-              <a:rPr kumimoji="1" lang="en-US" altLang="zh-CN" sz="1200" dirty="0">
-                <a:latin typeface="Courier"/>
-                <a:cs typeface="Courier"/>
-              </a:rPr>
-              <a:t>|      </a:t>
-            </a:r>
-            <a:r>
-              <a:rPr kumimoji="1" lang="en-US" altLang="zh-CN" sz="1200" dirty="0" err="1" smtClean="0">
-                <a:latin typeface="Courier"/>
-                <a:cs typeface="Courier"/>
-              </a:rPr>
-              <a:t>commentUser</a:t>
-            </a:r>
-            <a:r>
-              <a:rPr kumimoji="1" lang="en-US" altLang="zh-CN" sz="1200" dirty="0" smtClean="0">
-                <a:latin typeface="Courier"/>
-                <a:cs typeface="Courier"/>
-              </a:rPr>
-              <a:t>           |      </a:t>
-            </a:r>
-            <a:r>
-              <a:rPr kumimoji="1" lang="en-US" altLang="zh-CN" sz="1200" dirty="0" err="1" smtClean="0">
-                <a:latin typeface="Courier"/>
-                <a:cs typeface="Courier"/>
-              </a:rPr>
-              <a:t>commentDate</a:t>
-            </a:r>
-            <a:endParaRPr kumimoji="1" lang="en-US" altLang="zh-CN" sz="1200" dirty="0" smtClean="0">
-              <a:latin typeface="Courier"/>
-              <a:cs typeface="Courier"/>
-            </a:endParaRPr>
-          </a:p>
-          <a:p>
-            <a:r>
-              <a:rPr kumimoji="1" lang="en-US" altLang="zh-CN" sz="1200" dirty="0" smtClean="0">
-                <a:latin typeface="Courier"/>
-                <a:cs typeface="Courier"/>
-              </a:rPr>
-              <a:t>	         </a:t>
-            </a:r>
-            <a:r>
-              <a:rPr kumimoji="1" lang="en-US" altLang="zh-CN" sz="1200" dirty="0">
-                <a:latin typeface="Courier"/>
-                <a:cs typeface="Courier"/>
-              </a:rPr>
-              <a:t>-----------------------------------------------------------</a:t>
-            </a:r>
-            <a:endParaRPr kumimoji="1" lang="en-US" altLang="zh-CN" sz="1200" dirty="0" smtClean="0">
-              <a:latin typeface="Courier"/>
-              <a:cs typeface="Courier"/>
-            </a:endParaRPr>
-          </a:p>
-          <a:p>
-            <a:r>
-              <a:rPr kumimoji="1" lang="en-US" altLang="zh-CN" sz="1200" dirty="0" smtClean="0">
-                <a:latin typeface="Courier"/>
-                <a:cs typeface="Courier"/>
-              </a:rPr>
-              <a:t>	         </a:t>
-            </a:r>
-            <a:r>
-              <a:rPr kumimoji="1" lang="en-US" altLang="zh-CN" sz="1200" dirty="0" smtClean="0">
-                <a:latin typeface="Courier"/>
-                <a:cs typeface="Courier"/>
-              </a:rPr>
-              <a:t>| </a:t>
-            </a:r>
-            <a:r>
-              <a:rPr kumimoji="1" lang="en-US" altLang="zh-CN" sz="1200" dirty="0" err="1" smtClean="0">
-                <a:latin typeface="Courier"/>
-                <a:cs typeface="Courier"/>
-              </a:rPr>
-              <a:t>commentId</a:t>
-            </a:r>
-            <a:r>
-              <a:rPr kumimoji="1" lang="en-US" altLang="zh-CN" sz="1200" dirty="0" smtClean="0">
-                <a:latin typeface="Courier"/>
-                <a:cs typeface="Courier"/>
-              </a:rPr>
-              <a:t> | </a:t>
-            </a:r>
-            <a:r>
-              <a:rPr kumimoji="1" lang="en-US" altLang="zh-CN" sz="1200" dirty="0">
-                <a:latin typeface="Courier"/>
-                <a:cs typeface="Courier"/>
-              </a:rPr>
-              <a:t>... </a:t>
-            </a:r>
-            <a:r>
-              <a:rPr kumimoji="1" lang="en-US" altLang="zh-CN" sz="1200" dirty="0" smtClean="0">
-                <a:latin typeface="Courier"/>
-                <a:cs typeface="Courier"/>
-              </a:rPr>
-              <a:t>           | </a:t>
-            </a:r>
-            <a:r>
-              <a:rPr kumimoji="1" lang="en-US" altLang="zh-CN" sz="1200" dirty="0" err="1">
-                <a:latin typeface="Courier"/>
-                <a:cs typeface="Courier"/>
-              </a:rPr>
-              <a:t>commentId</a:t>
-            </a:r>
-            <a:r>
-              <a:rPr kumimoji="1" lang="en-US" altLang="zh-CN" sz="1200" dirty="0">
-                <a:latin typeface="Courier"/>
-                <a:cs typeface="Courier"/>
-              </a:rPr>
-              <a:t> </a:t>
-            </a:r>
-            <a:r>
-              <a:rPr kumimoji="1" lang="en-US" altLang="zh-CN" sz="1200" dirty="0" smtClean="0">
-                <a:latin typeface="Courier"/>
-                <a:cs typeface="Courier"/>
-              </a:rPr>
-              <a:t> | </a:t>
-            </a:r>
-            <a:r>
-              <a:rPr kumimoji="1" lang="en-US" altLang="zh-CN" sz="1200" dirty="0">
-                <a:latin typeface="Courier"/>
-                <a:cs typeface="Courier"/>
-              </a:rPr>
-              <a:t>... </a:t>
-            </a:r>
-            <a:endParaRPr kumimoji="1" lang="en-US" altLang="zh-CN" sz="1200" dirty="0" smtClean="0">
-              <a:latin typeface="Courier"/>
-              <a:cs typeface="Courier"/>
-            </a:endParaRPr>
-          </a:p>
-          <a:p>
-            <a:r>
-              <a:rPr kumimoji="1" lang="en-US" altLang="zh-CN" sz="1200" dirty="0">
-                <a:latin typeface="Courier"/>
-                <a:cs typeface="Courier"/>
-              </a:rPr>
-              <a:t>-------------------------------------------------------------------------</a:t>
-            </a:r>
-            <a:endParaRPr kumimoji="1" lang="en-US" altLang="zh-CN" sz="1200" dirty="0" smtClean="0">
-              <a:latin typeface="Courier"/>
-              <a:cs typeface="Courier"/>
-            </a:endParaRPr>
-          </a:p>
-          <a:p>
-            <a:r>
-              <a:rPr kumimoji="1" lang="en-US" altLang="zh-CN" sz="1200" dirty="0" smtClean="0">
-                <a:latin typeface="Courier"/>
-                <a:cs typeface="Courier"/>
-              </a:rPr>
-              <a:t> </a:t>
-            </a:r>
-            <a:r>
-              <a:rPr kumimoji="1" lang="en-US" altLang="zh-CN" sz="1200" dirty="0" err="1" smtClean="0">
-                <a:latin typeface="Courier"/>
-                <a:cs typeface="Courier"/>
-              </a:rPr>
-              <a:t>paperId</a:t>
-            </a:r>
-            <a:r>
-              <a:rPr kumimoji="1" lang="en-US" altLang="zh-CN" sz="1200" dirty="0" smtClean="0">
-                <a:latin typeface="Courier"/>
-                <a:cs typeface="Courier"/>
-              </a:rPr>
-              <a:t>      | </a:t>
-            </a:r>
-            <a:r>
-              <a:rPr kumimoji="1" lang="en-US" altLang="zh-CN" sz="1200" dirty="0">
-                <a:latin typeface="Courier"/>
-                <a:cs typeface="Courier"/>
-              </a:rPr>
-              <a:t>username  |                </a:t>
-            </a:r>
-            <a:r>
-              <a:rPr kumimoji="1" lang="en-US" altLang="zh-CN" sz="1200" dirty="0" smtClean="0">
-                <a:latin typeface="Courier"/>
-                <a:cs typeface="Courier"/>
-              </a:rPr>
-              <a:t>| </a:t>
-            </a:r>
-            <a:r>
-              <a:rPr kumimoji="1" lang="en-US" altLang="zh-CN" sz="1200" dirty="0" err="1" smtClean="0">
-                <a:latin typeface="Courier"/>
-                <a:cs typeface="Courier"/>
-              </a:rPr>
-              <a:t>commentDate</a:t>
-            </a:r>
-            <a:r>
-              <a:rPr kumimoji="1" lang="en-US" altLang="zh-CN" sz="1200" dirty="0" smtClean="0">
-                <a:latin typeface="Courier"/>
-                <a:cs typeface="Courier"/>
-              </a:rPr>
               <a:t>|</a:t>
             </a:r>
-            <a:endParaRPr kumimoji="1" lang="en-US" altLang="zh-CN" sz="1200" dirty="0" smtClean="0">
-              <a:latin typeface="Courier"/>
-              <a:cs typeface="Courier"/>
-            </a:endParaRPr>
           </a:p>
           <a:p>
             <a:r>
@@ -7895,103 +7795,6 @@
       </p:sp>
       <p:sp>
         <p:nvSpPr>
-          <p:cNvPr id="13" name="矩形 12"/>
-          <p:cNvSpPr/>
-          <p:nvPr/>
-        </p:nvSpPr>
-        <p:spPr>
-          <a:xfrm>
-            <a:off x="457200" y="117995"/>
-            <a:ext cx="1359897" cy="1068837"/>
-          </a:xfrm>
-          <a:prstGeom prst="rect">
-            <a:avLst/>
-          </a:prstGeom>
-          <a:solidFill>
-            <a:srgbClr val="219DC9"/>
-          </a:solidFill>
-          <a:ln>
-            <a:noFill/>
-          </a:ln>
-        </p:spPr>
-        <p:style>
-          <a:lnRef idx="2">
-            <a:schemeClr val="accent1">
-              <a:shade val="50000"/>
-            </a:schemeClr>
-          </a:lnRef>
-          <a:fillRef idx="1">
-            <a:schemeClr val="accent1"/>
-          </a:fillRef>
-          <a:effectRef idx="0">
-            <a:schemeClr val="accent1"/>
-          </a:effectRef>
-          <a:fontRef idx="minor">
-            <a:schemeClr val="lt1"/>
-          </a:fontRef>
-        </p:style>
-        <p:txBody>
-          <a:bodyPr rtlCol="0" anchor="ctr"/>
-          <a:lstStyle/>
-          <a:p>
-            <a:pPr algn="ctr"/>
-            <a:endParaRPr lang="zh-CN" altLang="en-US"/>
-          </a:p>
-        </p:txBody>
-      </p:sp>
-      <p:sp>
-        <p:nvSpPr>
-          <p:cNvPr id="14" name="矩形 13"/>
-          <p:cNvSpPr/>
-          <p:nvPr/>
-        </p:nvSpPr>
-        <p:spPr>
-          <a:xfrm>
-            <a:off x="446094" y="422506"/>
-            <a:ext cx="1324402" cy="646331"/>
-          </a:xfrm>
-          <a:prstGeom prst="rect">
-            <a:avLst/>
-          </a:prstGeom>
-        </p:spPr>
-        <p:txBody>
-          <a:bodyPr wrap="none">
-            <a:spAutoFit/>
-          </a:bodyPr>
-          <a:lstStyle/>
-          <a:p>
-            <a:r>
-              <a:rPr kumimoji="1" lang="zh-CN" altLang="en-US" sz="3600" b="1" dirty="0" smtClean="0">
-                <a:solidFill>
-                  <a:schemeClr val="bg1"/>
-                </a:solidFill>
-                <a:latin typeface="方正大黑_GBK" panose="03000509000000000000" pitchFamily="65" charset="-122"/>
-                <a:ea typeface="方正大黑_GBK" panose="03000509000000000000" pitchFamily="65" charset="-122"/>
-              </a:rPr>
-              <a:t>任务</a:t>
-            </a:r>
-            <a:r>
-              <a:rPr kumimoji="1" lang="en-US" altLang="zh-CN" sz="3600" b="1" dirty="0" smtClean="0">
-                <a:solidFill>
-                  <a:schemeClr val="bg1"/>
-                </a:solidFill>
-                <a:latin typeface="方正大黑_GBK" panose="03000509000000000000" pitchFamily="65" charset="-122"/>
-                <a:ea typeface="方正大黑_GBK" panose="03000509000000000000" pitchFamily="65" charset="-122"/>
-              </a:rPr>
-              <a:t>1</a:t>
-            </a:r>
-            <a:endParaRPr kumimoji="1" lang="zh-CN" altLang="en-US" sz="3600" b="1" dirty="0">
-              <a:solidFill>
-                <a:schemeClr val="bg1"/>
-              </a:solidFill>
-              <a:latin typeface="方正大黑_GBK" panose="03000509000000000000" pitchFamily="65" charset="-122"/>
-              <a:ea typeface="方正大黑_GBK" panose="03000509000000000000" pitchFamily="65" charset="-122"/>
-            </a:endParaRPr>
-          </a:p>
-        </p:txBody>
-      </p:sp>
-      <p:sp>
-        <p:nvSpPr>
           <p:cNvPr id="19" name="矩形 18"/>
           <p:cNvSpPr/>
           <p:nvPr/>
@@ -7999,7 +7802,7 @@
         <p:spPr>
           <a:xfrm>
             <a:off x="2087185" y="473398"/>
-            <a:ext cx="3953326" cy="646331"/>
+            <a:ext cx="4171335" cy="646331"/>
           </a:xfrm>
           <a:prstGeom prst="rect">
             <a:avLst/>
@@ -8019,8 +7822,8 @@
                     <a:lumOff val="40000"/>
                   </a:schemeClr>
                 </a:solidFill>
-                <a:latin typeface="方正大黑_GBK" panose="03000509000000000000" pitchFamily="65" charset="-122"/>
-                <a:ea typeface="方正大黑_GBK" panose="03000509000000000000" pitchFamily="65" charset="-122"/>
+                <a:latin typeface="微软雅黑" panose="020B0503020204020204" pitchFamily="34" charset="-122"/>
+                <a:ea typeface="微软雅黑" panose="020B0503020204020204" pitchFamily="34" charset="-122"/>
               </a:rPr>
               <a:t>录入统计 </a:t>
             </a:r>
@@ -8032,8 +7835,8 @@
                     <a:lumOff val="40000"/>
                   </a:schemeClr>
                 </a:solidFill>
-                <a:latin typeface="方正大黑_GBK" panose="03000509000000000000" pitchFamily="65" charset="-122"/>
-                <a:ea typeface="方正大黑_GBK" panose="03000509000000000000" pitchFamily="65" charset="-122"/>
+                <a:latin typeface="微软雅黑" panose="020B0503020204020204" pitchFamily="34" charset="-122"/>
+                <a:ea typeface="微软雅黑" panose="020B0503020204020204" pitchFamily="34" charset="-122"/>
               </a:rPr>
               <a:t>-mapper</a:t>
             </a:r>
@@ -8044,8 +7847,8 @@
                   <a:lumOff val="40000"/>
                 </a:schemeClr>
               </a:solidFill>
-              <a:latin typeface="方正大黑_GBK" panose="03000509000000000000" pitchFamily="65" charset="-122"/>
-              <a:ea typeface="方正大黑_GBK" panose="03000509000000000000" pitchFamily="65" charset="-122"/>
+              <a:latin typeface="微软雅黑" panose="020B0503020204020204" pitchFamily="34" charset="-122"/>
+              <a:ea typeface="微软雅黑" panose="020B0503020204020204" pitchFamily="34" charset="-122"/>
             </a:endParaRPr>
           </a:p>
         </p:txBody>
@@ -8079,6 +7882,134 @@
           </a:xfrm>
         </p:spPr>
       </p:pic>
+      <p:sp>
+        <p:nvSpPr>
+          <p:cNvPr id="2" name="矩形 1"/>
+          <p:cNvSpPr/>
+          <p:nvPr/>
+        </p:nvSpPr>
+        <p:spPr>
+          <a:xfrm>
+            <a:off x="3909799" y="3244334"/>
+            <a:ext cx="1324402" cy="369332"/>
+          </a:xfrm>
+          <a:prstGeom prst="rect">
+            <a:avLst/>
+          </a:prstGeom>
+        </p:spPr>
+        <p:txBody>
+          <a:bodyPr wrap="none">
+            <a:spAutoFit/>
+          </a:bodyPr>
+          <a:lstStyle/>
+          <a:p>
+            <a:r>
+              <a:rPr lang="en-US" altLang="zh-CN" u="sng" dirty="0" err="1">
+                <a:solidFill>
+                  <a:srgbClr val="000000"/>
+                </a:solidFill>
+                <a:highlight>
+                  <a:srgbClr val="D4D4D4"/>
+                </a:highlight>
+                <a:latin typeface="Consolas" panose="020B0609020204030204" pitchFamily="49" charset="0"/>
+              </a:rPr>
+              <a:t>XMLNotice</a:t>
+            </a:r>
+            <a:endParaRPr lang="zh-CN" altLang="en-US" dirty="0"/>
+          </a:p>
+        </p:txBody>
+      </p:sp>
+      <p:sp>
+        <p:nvSpPr>
+          <p:cNvPr id="8" name="矩形 7"/>
+          <p:cNvSpPr/>
+          <p:nvPr/>
+        </p:nvSpPr>
+        <p:spPr>
+          <a:xfrm>
+            <a:off x="410599" y="0"/>
+            <a:ext cx="1428825" cy="1041622"/>
+          </a:xfrm>
+          <a:prstGeom prst="rect">
+            <a:avLst/>
+          </a:prstGeom>
+          <a:solidFill>
+            <a:srgbClr val="219DC9"/>
+          </a:solidFill>
+          <a:ln>
+            <a:noFill/>
+          </a:ln>
+        </p:spPr>
+        <p:style>
+          <a:lnRef idx="2">
+            <a:schemeClr val="accent1">
+              <a:shade val="50000"/>
+            </a:schemeClr>
+          </a:lnRef>
+          <a:fillRef idx="1">
+            <a:schemeClr val="accent1"/>
+          </a:fillRef>
+          <a:effectRef idx="0">
+            <a:schemeClr val="accent1"/>
+          </a:effectRef>
+          <a:fontRef idx="minor">
+            <a:schemeClr val="lt1"/>
+          </a:fontRef>
+        </p:style>
+        <p:txBody>
+          <a:bodyPr rtlCol="0" anchor="ctr"/>
+          <a:lstStyle/>
+          <a:p>
+            <a:pPr algn="ctr"/>
+            <a:endParaRPr lang="zh-CN" altLang="en-US"/>
+          </a:p>
+        </p:txBody>
+      </p:sp>
+      <p:sp>
+        <p:nvSpPr>
+          <p:cNvPr id="9" name="矩形 8"/>
+          <p:cNvSpPr/>
+          <p:nvPr/>
+        </p:nvSpPr>
+        <p:spPr>
+          <a:xfrm>
+            <a:off x="446094" y="422506"/>
+            <a:ext cx="1393330" cy="646331"/>
+          </a:xfrm>
+          <a:prstGeom prst="rect">
+            <a:avLst/>
+          </a:prstGeom>
+        </p:spPr>
+        <p:txBody>
+          <a:bodyPr wrap="none">
+            <a:spAutoFit/>
+          </a:bodyPr>
+          <a:lstStyle/>
+          <a:p>
+            <a:r>
+              <a:rPr kumimoji="1" lang="zh-CN" altLang="en-US" sz="3600" b="1" dirty="0" smtClean="0">
+                <a:solidFill>
+                  <a:schemeClr val="bg1"/>
+                </a:solidFill>
+                <a:latin typeface="微软雅黑" panose="020B0503020204020204" pitchFamily="34" charset="-122"/>
+                <a:ea typeface="微软雅黑" panose="020B0503020204020204" pitchFamily="34" charset="-122"/>
+              </a:rPr>
+              <a:t>任务</a:t>
+            </a:r>
+            <a:r>
+              <a:rPr kumimoji="1" lang="en-US" altLang="zh-CN" sz="3600" b="1" dirty="0" smtClean="0">
+                <a:solidFill>
+                  <a:schemeClr val="bg1"/>
+                </a:solidFill>
+                <a:latin typeface="微软雅黑" panose="020B0503020204020204" pitchFamily="34" charset="-122"/>
+                <a:ea typeface="微软雅黑" panose="020B0503020204020204" pitchFamily="34" charset="-122"/>
+              </a:rPr>
+              <a:t>1</a:t>
+            </a:r>
+            <a:endParaRPr lang="zh-CN" altLang="en-US" dirty="0"/>
+          </a:p>
+        </p:txBody>
+      </p:sp>
     </p:spTree>
     <p:extLst>
       <p:ext uri="{BB962C8B-B14F-4D97-AF65-F5344CB8AC3E}">
@@ -8162,103 +8093,6 @@
       </p:sp>
       <p:sp>
         <p:nvSpPr>
-          <p:cNvPr id="13" name="矩形 12"/>
-          <p:cNvSpPr/>
-          <p:nvPr/>
-        </p:nvSpPr>
-        <p:spPr>
-          <a:xfrm>
-            <a:off x="457200" y="117995"/>
-            <a:ext cx="1359897" cy="1068837"/>
-          </a:xfrm>
-          <a:prstGeom prst="rect">
-            <a:avLst/>
-          </a:prstGeom>
-          <a:solidFill>
-            <a:srgbClr val="219DC9"/>
-          </a:solidFill>
-          <a:ln>
-            <a:noFill/>
-          </a:ln>
-        </p:spPr>
-        <p:style>
-          <a:lnRef idx="2">
-            <a:schemeClr val="accent1">
-              <a:shade val="50000"/>
-            </a:schemeClr>
-          </a:lnRef>
-          <a:fillRef idx="1">
-            <a:schemeClr val="accent1"/>
-          </a:fillRef>
-          <a:effectRef idx="0">
-            <a:schemeClr val="accent1"/>
-          </a:effectRef>
-          <a:fontRef idx="minor">
-            <a:schemeClr val="lt1"/>
-          </a:fontRef>
-        </p:style>
-        <p:txBody>
-          <a:bodyPr rtlCol="0" anchor="ctr"/>
-          <a:lstStyle/>
-          <a:p>
-            <a:pPr algn="ctr"/>
-            <a:endParaRPr lang="zh-CN" altLang="en-US"/>
-          </a:p>
-        </p:txBody>
-      </p:sp>
-      <p:sp>
-        <p:nvSpPr>
-          <p:cNvPr id="14" name="矩形 13"/>
-          <p:cNvSpPr/>
-          <p:nvPr/>
-        </p:nvSpPr>
-        <p:spPr>
-          <a:xfrm>
-            <a:off x="446094" y="422506"/>
-            <a:ext cx="1324402" cy="646331"/>
-          </a:xfrm>
-          <a:prstGeom prst="rect">
-            <a:avLst/>
-          </a:prstGeom>
-        </p:spPr>
-        <p:txBody>
-          <a:bodyPr wrap="none">
-            <a:spAutoFit/>
-          </a:bodyPr>
-          <a:lstStyle/>
-          <a:p>
-            <a:r>
-              <a:rPr kumimoji="1" lang="zh-CN" altLang="en-US" sz="3600" b="1" dirty="0" smtClean="0">
-                <a:solidFill>
-                  <a:schemeClr val="bg1"/>
-                </a:solidFill>
-                <a:latin typeface="方正大黑_GBK" panose="03000509000000000000" pitchFamily="65" charset="-122"/>
-                <a:ea typeface="方正大黑_GBK" panose="03000509000000000000" pitchFamily="65" charset="-122"/>
-              </a:rPr>
-              <a:t>任务</a:t>
-            </a:r>
-            <a:r>
-              <a:rPr kumimoji="1" lang="en-US" altLang="zh-CN" sz="3600" b="1" dirty="0" smtClean="0">
-                <a:solidFill>
-                  <a:schemeClr val="bg1"/>
-                </a:solidFill>
-                <a:latin typeface="方正大黑_GBK" panose="03000509000000000000" pitchFamily="65" charset="-122"/>
-                <a:ea typeface="方正大黑_GBK" panose="03000509000000000000" pitchFamily="65" charset="-122"/>
-              </a:rPr>
-              <a:t>1</a:t>
-            </a:r>
-            <a:endParaRPr kumimoji="1" lang="zh-CN" altLang="en-US" sz="3600" b="1" dirty="0">
-              <a:solidFill>
-                <a:schemeClr val="bg1"/>
-              </a:solidFill>
-              <a:latin typeface="方正大黑_GBK" panose="03000509000000000000" pitchFamily="65" charset="-122"/>
-              <a:ea typeface="方正大黑_GBK" panose="03000509000000000000" pitchFamily="65" charset="-122"/>
-            </a:endParaRPr>
-          </a:p>
-        </p:txBody>
-      </p:sp>
-      <p:sp>
-        <p:nvSpPr>
           <p:cNvPr id="19" name="矩形 18"/>
           <p:cNvSpPr/>
           <p:nvPr/>
@@ -8286,8 +8120,8 @@
                     <a:lumOff val="40000"/>
                   </a:schemeClr>
                 </a:solidFill>
-                <a:latin typeface="方正大黑_GBK" panose="03000509000000000000" pitchFamily="65" charset="-122"/>
-                <a:ea typeface="方正大黑_GBK" panose="03000509000000000000" pitchFamily="65" charset="-122"/>
+                <a:latin typeface="微软雅黑" panose="020B0503020204020204" pitchFamily="34" charset="-122"/>
+                <a:ea typeface="微软雅黑" panose="020B0503020204020204" pitchFamily="34" charset="-122"/>
               </a:rPr>
               <a:t>录入统计 </a:t>
             </a:r>
@@ -8299,8 +8133,8 @@
                     <a:lumOff val="40000"/>
                   </a:schemeClr>
                 </a:solidFill>
-                <a:latin typeface="方正大黑_GBK" panose="03000509000000000000" pitchFamily="65" charset="-122"/>
-                <a:ea typeface="方正大黑_GBK" panose="03000509000000000000" pitchFamily="65" charset="-122"/>
+                <a:latin typeface="微软雅黑" panose="020B0503020204020204" pitchFamily="34" charset="-122"/>
+                <a:ea typeface="微软雅黑" panose="020B0503020204020204" pitchFamily="34" charset="-122"/>
               </a:rPr>
               <a:t>-reducer</a:t>
             </a:r>
@@ -8311,8 +8145,8 @@
                   <a:lumOff val="40000"/>
                 </a:schemeClr>
               </a:solidFill>
-              <a:latin typeface="方正大黑_GBK" panose="03000509000000000000" pitchFamily="65" charset="-122"/>
-              <a:ea typeface="方正大黑_GBK" panose="03000509000000000000" pitchFamily="65" charset="-122"/>
+              <a:latin typeface="微软雅黑" panose="020B0503020204020204" pitchFamily="34" charset="-122"/>
+              <a:ea typeface="微软雅黑" panose="020B0503020204020204" pitchFamily="34" charset="-122"/>
             </a:endParaRPr>
           </a:p>
         </p:txBody>
@@ -8346,6 +8180,97 @@
           </a:xfrm>
         </p:spPr>
       </p:pic>
+      <p:sp>
+        <p:nvSpPr>
+          <p:cNvPr id="7" name="矩形 6"/>
+          <p:cNvSpPr/>
+          <p:nvPr/>
+        </p:nvSpPr>
+        <p:spPr>
+          <a:xfrm>
+            <a:off x="410599" y="0"/>
+            <a:ext cx="1428825" cy="1041622"/>
+          </a:xfrm>
+          <a:prstGeom prst="rect">
+            <a:avLst/>
+          </a:prstGeom>
+          <a:solidFill>
+            <a:srgbClr val="219DC9"/>
+          </a:solidFill>
+          <a:ln>
+            <a:noFill/>
+          </a:ln>
+        </p:spPr>
+        <p:style>
+          <a:lnRef idx="2">
+            <a:schemeClr val="accent1">
+              <a:shade val="50000"/>
+            </a:schemeClr>
+          </a:lnRef>
+          <a:fillRef idx="1">
+            <a:schemeClr val="accent1"/>
+          </a:fillRef>
+          <a:effectRef idx="0">
+            <a:schemeClr val="accent1"/>
+          </a:effectRef>
+          <a:fontRef idx="minor">
+            <a:schemeClr val="lt1"/>
+          </a:fontRef>
+        </p:style>
+        <p:txBody>
+          <a:bodyPr rtlCol="0" anchor="ctr"/>
+          <a:lstStyle/>
+          <a:p>
+            <a:pPr algn="ctr"/>
+            <a:endParaRPr lang="zh-CN" altLang="en-US"/>
+          </a:p>
+        </p:txBody>
+      </p:sp>
+      <p:sp>
+        <p:nvSpPr>
+          <p:cNvPr id="8" name="矩形 7"/>
+          <p:cNvSpPr/>
+          <p:nvPr/>
+        </p:nvSpPr>
+        <p:spPr>
+          <a:xfrm>
+            <a:off x="446094" y="422506"/>
+            <a:ext cx="1393330" cy="646331"/>
+          </a:xfrm>
+          <a:prstGeom prst="rect">
+            <a:avLst/>
+          </a:prstGeom>
+        </p:spPr>
+        <p:txBody>
+          <a:bodyPr wrap="none">
+            <a:spAutoFit/>
+          </a:bodyPr>
+          <a:lstStyle/>
+          <a:p>
+            <a:r>
+              <a:rPr kumimoji="1" lang="zh-CN" altLang="en-US" sz="3600" b="1" dirty="0" smtClean="0">
+                <a:solidFill>
+                  <a:schemeClr val="bg1"/>
+                </a:solidFill>
+                <a:latin typeface="微软雅黑" panose="020B0503020204020204" pitchFamily="34" charset="-122"/>
+                <a:ea typeface="微软雅黑" panose="020B0503020204020204" pitchFamily="34" charset="-122"/>
+              </a:rPr>
+              <a:t>任务</a:t>
+            </a:r>
+            <a:r>
+              <a:rPr kumimoji="1" lang="en-US" altLang="zh-CN" sz="3600" b="1" dirty="0" smtClean="0">
+                <a:solidFill>
+                  <a:schemeClr val="bg1"/>
+                </a:solidFill>
+                <a:latin typeface="微软雅黑" panose="020B0503020204020204" pitchFamily="34" charset="-122"/>
+                <a:ea typeface="微软雅黑" panose="020B0503020204020204" pitchFamily="34" charset="-122"/>
+              </a:rPr>
+              <a:t>1</a:t>
+            </a:r>
+            <a:endParaRPr lang="zh-CN" altLang="en-US" dirty="0"/>
+          </a:p>
+        </p:txBody>
+      </p:sp>
     </p:spTree>
     <p:extLst>
       <p:ext uri="{BB962C8B-B14F-4D97-AF65-F5344CB8AC3E}">
@@ -8429,103 +8354,6 @@
       </p:sp>
       <p:sp>
         <p:nvSpPr>
-          <p:cNvPr id="13" name="矩形 12"/>
-          <p:cNvSpPr/>
-          <p:nvPr/>
-        </p:nvSpPr>
-        <p:spPr>
-          <a:xfrm>
-            <a:off x="457200" y="117995"/>
-            <a:ext cx="1359897" cy="1068837"/>
-          </a:xfrm>
-          <a:prstGeom prst="rect">
-            <a:avLst/>
-          </a:prstGeom>
-          <a:solidFill>
-            <a:srgbClr val="219DC9"/>
-          </a:solidFill>
-          <a:ln>
-            <a:noFill/>
-          </a:ln>
-        </p:spPr>
-        <p:style>
-          <a:lnRef idx="2">
-            <a:schemeClr val="accent1">
-              <a:shade val="50000"/>
-            </a:schemeClr>
-          </a:lnRef>
-          <a:fillRef idx="1">
-            <a:schemeClr val="accent1"/>
-          </a:fillRef>
-          <a:effectRef idx="0">
-            <a:schemeClr val="accent1"/>
-          </a:effectRef>
-          <a:fontRef idx="minor">
-            <a:schemeClr val="lt1"/>
-          </a:fontRef>
-        </p:style>
-        <p:txBody>
-          <a:bodyPr rtlCol="0" anchor="ctr"/>
-          <a:lstStyle/>
-          <a:p>
-            <a:pPr algn="ctr"/>
-            <a:endParaRPr lang="zh-CN" altLang="en-US"/>
-          </a:p>
-        </p:txBody>
-      </p:sp>
-      <p:sp>
-        <p:nvSpPr>
-          <p:cNvPr id="14" name="矩形 13"/>
-          <p:cNvSpPr/>
-          <p:nvPr/>
-        </p:nvSpPr>
-        <p:spPr>
-          <a:xfrm>
-            <a:off x="446094" y="422506"/>
-            <a:ext cx="1324402" cy="646331"/>
-          </a:xfrm>
-          <a:prstGeom prst="rect">
-            <a:avLst/>
-          </a:prstGeom>
-        </p:spPr>
-        <p:txBody>
-          <a:bodyPr wrap="none">
-            <a:spAutoFit/>
-          </a:bodyPr>
-          <a:lstStyle/>
-          <a:p>
-            <a:r>
-              <a:rPr kumimoji="1" lang="zh-CN" altLang="en-US" sz="3600" b="1" dirty="0" smtClean="0">
-                <a:solidFill>
-                  <a:schemeClr val="bg1"/>
-                </a:solidFill>
-                <a:latin typeface="方正大黑_GBK" panose="03000509000000000000" pitchFamily="65" charset="-122"/>
-                <a:ea typeface="方正大黑_GBK" panose="03000509000000000000" pitchFamily="65" charset="-122"/>
-              </a:rPr>
-              <a:t>任务</a:t>
-            </a:r>
-            <a:r>
-              <a:rPr kumimoji="1" lang="en-US" altLang="zh-CN" sz="3600" b="1" dirty="0" smtClean="0">
-                <a:solidFill>
-                  <a:schemeClr val="bg1"/>
-                </a:solidFill>
-                <a:latin typeface="方正大黑_GBK" panose="03000509000000000000" pitchFamily="65" charset="-122"/>
-                <a:ea typeface="方正大黑_GBK" panose="03000509000000000000" pitchFamily="65" charset="-122"/>
-              </a:rPr>
-              <a:t>1</a:t>
-            </a:r>
-            <a:endParaRPr kumimoji="1" lang="zh-CN" altLang="en-US" sz="3600" b="1" dirty="0">
-              <a:solidFill>
-                <a:schemeClr val="bg1"/>
-              </a:solidFill>
-              <a:latin typeface="方正大黑_GBK" panose="03000509000000000000" pitchFamily="65" charset="-122"/>
-              <a:ea typeface="方正大黑_GBK" panose="03000509000000000000" pitchFamily="65" charset="-122"/>
-            </a:endParaRPr>
-          </a:p>
-        </p:txBody>
-      </p:sp>
-      <p:sp>
-        <p:nvSpPr>
           <p:cNvPr id="19" name="矩形 18"/>
           <p:cNvSpPr/>
           <p:nvPr/>
@@ -8553,8 +8381,8 @@
                     <a:lumOff val="40000"/>
                   </a:schemeClr>
                 </a:solidFill>
-                <a:latin typeface="方正大黑_GBK" panose="03000509000000000000" pitchFamily="65" charset="-122"/>
-                <a:ea typeface="方正大黑_GBK" panose="03000509000000000000" pitchFamily="65" charset="-122"/>
+                <a:latin typeface="微软雅黑" panose="020B0503020204020204" pitchFamily="34" charset="-122"/>
+                <a:ea typeface="微软雅黑" panose="020B0503020204020204" pitchFamily="34" charset="-122"/>
               </a:rPr>
               <a:t>录入统计 </a:t>
             </a:r>
@@ -8566,8 +8394,8 @@
                     <a:lumOff val="40000"/>
                   </a:schemeClr>
                 </a:solidFill>
-                <a:latin typeface="方正大黑_GBK" panose="03000509000000000000" pitchFamily="65" charset="-122"/>
-                <a:ea typeface="方正大黑_GBK" panose="03000509000000000000" pitchFamily="65" charset="-122"/>
+                <a:latin typeface="微软雅黑" panose="020B0503020204020204" pitchFamily="34" charset="-122"/>
+                <a:ea typeface="微软雅黑" panose="020B0503020204020204" pitchFamily="34" charset="-122"/>
               </a:rPr>
               <a:t>–</a:t>
             </a:r>
@@ -8579,8 +8407,8 @@
                     <a:lumOff val="40000"/>
                   </a:schemeClr>
                 </a:solidFill>
-                <a:latin typeface="方正大黑_GBK" panose="03000509000000000000" pitchFamily="65" charset="-122"/>
-                <a:ea typeface="方正大黑_GBK" panose="03000509000000000000" pitchFamily="65" charset="-122"/>
+                <a:latin typeface="微软雅黑" panose="020B0503020204020204" pitchFamily="34" charset="-122"/>
+                <a:ea typeface="微软雅黑" panose="020B0503020204020204" pitchFamily="34" charset="-122"/>
               </a:rPr>
               <a:t>结果</a:t>
             </a:r>
@@ -8591,8 +8419,8 @@
                   <a:lumOff val="40000"/>
                 </a:schemeClr>
               </a:solidFill>
-              <a:latin typeface="方正大黑_GBK" panose="03000509000000000000" pitchFamily="65" charset="-122"/>
-              <a:ea typeface="方正大黑_GBK" panose="03000509000000000000" pitchFamily="65" charset="-122"/>
+              <a:latin typeface="微软雅黑" panose="020B0503020204020204" pitchFamily="34" charset="-122"/>
+              <a:ea typeface="微软雅黑" panose="020B0503020204020204" pitchFamily="34" charset="-122"/>
             </a:endParaRPr>
           </a:p>
         </p:txBody>
@@ -8626,6 +8454,97 @@
           </a:xfrm>
         </p:spPr>
       </p:pic>
+      <p:sp>
+        <p:nvSpPr>
+          <p:cNvPr id="7" name="矩形 6"/>
+          <p:cNvSpPr/>
+          <p:nvPr/>
+        </p:nvSpPr>
+        <p:spPr>
+          <a:xfrm>
+            <a:off x="410599" y="0"/>
+            <a:ext cx="1428825" cy="1041622"/>
+          </a:xfrm>
+          <a:prstGeom prst="rect">
+            <a:avLst/>
+          </a:prstGeom>
+          <a:solidFill>
+            <a:srgbClr val="219DC9"/>
+          </a:solidFill>
+          <a:ln>
+            <a:noFill/>
+          </a:ln>
+        </p:spPr>
+        <p:style>
+          <a:lnRef idx="2">
+            <a:schemeClr val="accent1">
+              <a:shade val="50000"/>
+            </a:schemeClr>
+          </a:lnRef>
+          <a:fillRef idx="1">
+            <a:schemeClr val="accent1"/>
+          </a:fillRef>
+          <a:effectRef idx="0">
+            <a:schemeClr val="accent1"/>
+          </a:effectRef>
+          <a:fontRef idx="minor">
+            <a:schemeClr val="lt1"/>
+          </a:fontRef>
+        </p:style>
+        <p:txBody>
+          <a:bodyPr rtlCol="0" anchor="ctr"/>
+          <a:lstStyle/>
+          <a:p>
+            <a:pPr algn="ctr"/>
+            <a:endParaRPr lang="zh-CN" altLang="en-US"/>
+          </a:p>
+        </p:txBody>
+      </p:sp>
+      <p:sp>
+        <p:nvSpPr>
+          <p:cNvPr id="8" name="矩形 7"/>
+          <p:cNvSpPr/>
+          <p:nvPr/>
+        </p:nvSpPr>
+        <p:spPr>
+          <a:xfrm>
+            <a:off x="446094" y="422506"/>
+            <a:ext cx="1393330" cy="646331"/>
+          </a:xfrm>
+          <a:prstGeom prst="rect">
+            <a:avLst/>
+          </a:prstGeom>
+        </p:spPr>
+        <p:txBody>
+          <a:bodyPr wrap="none">
+            <a:spAutoFit/>
+          </a:bodyPr>
+          <a:lstStyle/>
+          <a:p>
+            <a:r>
+              <a:rPr kumimoji="1" lang="zh-CN" altLang="en-US" sz="3600" b="1" dirty="0" smtClean="0">
+                <a:solidFill>
+                  <a:schemeClr val="bg1"/>
+                </a:solidFill>
+                <a:latin typeface="微软雅黑" panose="020B0503020204020204" pitchFamily="34" charset="-122"/>
+                <a:ea typeface="微软雅黑" panose="020B0503020204020204" pitchFamily="34" charset="-122"/>
+              </a:rPr>
+              <a:t>任务</a:t>
+            </a:r>
+            <a:r>
+              <a:rPr kumimoji="1" lang="en-US" altLang="zh-CN" sz="3600" b="1" dirty="0" smtClean="0">
+                <a:solidFill>
+                  <a:schemeClr val="bg1"/>
+                </a:solidFill>
+                <a:latin typeface="微软雅黑" panose="020B0503020204020204" pitchFamily="34" charset="-122"/>
+                <a:ea typeface="微软雅黑" panose="020B0503020204020204" pitchFamily="34" charset="-122"/>
+              </a:rPr>
+              <a:t>1</a:t>
+            </a:r>
+            <a:endParaRPr lang="zh-CN" altLang="en-US" dirty="0"/>
+          </a:p>
+        </p:txBody>
+      </p:sp>
     </p:spTree>
     <p:extLst>
       <p:ext uri="{BB962C8B-B14F-4D97-AF65-F5344CB8AC3E}">
@@ -8709,103 +8628,6 @@
       </p:sp>
       <p:sp>
         <p:nvSpPr>
-          <p:cNvPr id="13" name="矩形 12"/>
-          <p:cNvSpPr/>
-          <p:nvPr/>
-        </p:nvSpPr>
-        <p:spPr>
-          <a:xfrm>
-            <a:off x="457200" y="117995"/>
-            <a:ext cx="1359897" cy="1068837"/>
-          </a:xfrm>
-          <a:prstGeom prst="rect">
-            <a:avLst/>
-          </a:prstGeom>
-          <a:solidFill>
-            <a:srgbClr val="219DC9"/>
-          </a:solidFill>
-          <a:ln>
-            <a:noFill/>
-          </a:ln>
-        </p:spPr>
-        <p:style>
-          <a:lnRef idx="2">
-            <a:schemeClr val="accent1">
-              <a:shade val="50000"/>
-            </a:schemeClr>
-          </a:lnRef>
-          <a:fillRef idx="1">
-            <a:schemeClr val="accent1"/>
-          </a:fillRef>
-          <a:effectRef idx="0">
-            <a:schemeClr val="accent1"/>
-          </a:effectRef>
-          <a:fontRef idx="minor">
-            <a:schemeClr val="lt1"/>
-          </a:fontRef>
-        </p:style>
-        <p:txBody>
-          <a:bodyPr rtlCol="0" anchor="ctr"/>
-          <a:lstStyle/>
-          <a:p>
-            <a:pPr algn="ctr"/>
-            <a:endParaRPr lang="zh-CN" altLang="en-US"/>
-          </a:p>
-        </p:txBody>
-      </p:sp>
-      <p:sp>
-        <p:nvSpPr>
-          <p:cNvPr id="14" name="矩形 13"/>
-          <p:cNvSpPr/>
-          <p:nvPr/>
-        </p:nvSpPr>
-        <p:spPr>
-          <a:xfrm>
-            <a:off x="446094" y="422506"/>
-            <a:ext cx="1342034" cy="646331"/>
-          </a:xfrm>
-          <a:prstGeom prst="rect">
-            <a:avLst/>
-          </a:prstGeom>
-        </p:spPr>
-        <p:txBody>
-          <a:bodyPr wrap="none">
-            <a:spAutoFit/>
-          </a:bodyPr>
-          <a:lstStyle/>
-          <a:p>
-            <a:r>
-              <a:rPr kumimoji="1" lang="zh-CN" altLang="en-US" sz="3600" b="1" dirty="0" smtClean="0">
-                <a:solidFill>
-                  <a:schemeClr val="bg1"/>
-                </a:solidFill>
-                <a:latin typeface="方正大黑_GBK" panose="03000509000000000000" pitchFamily="65" charset="-122"/>
-                <a:ea typeface="方正大黑_GBK" panose="03000509000000000000" pitchFamily="65" charset="-122"/>
-              </a:rPr>
-              <a:t>任务</a:t>
-            </a:r>
-            <a:r>
-              <a:rPr kumimoji="1" lang="en-US" altLang="zh-CN" sz="3600" b="1" dirty="0" smtClean="0">
-                <a:solidFill>
-                  <a:schemeClr val="bg1"/>
-                </a:solidFill>
-                <a:latin typeface="方正大黑_GBK" panose="03000509000000000000" pitchFamily="65" charset="-122"/>
-                <a:ea typeface="方正大黑_GBK" panose="03000509000000000000" pitchFamily="65" charset="-122"/>
-              </a:rPr>
-              <a:t>2</a:t>
-            </a:r>
-            <a:endParaRPr kumimoji="1" lang="zh-CN" altLang="en-US" sz="3600" b="1" dirty="0">
-              <a:solidFill>
-                <a:schemeClr val="bg1"/>
-              </a:solidFill>
-              <a:latin typeface="方正大黑_GBK" panose="03000509000000000000" pitchFamily="65" charset="-122"/>
-              <a:ea typeface="方正大黑_GBK" panose="03000509000000000000" pitchFamily="65" charset="-122"/>
-            </a:endParaRPr>
-          </a:p>
-        </p:txBody>
-      </p:sp>
-      <p:sp>
-        <p:nvSpPr>
           <p:cNvPr id="19" name="矩形 18"/>
           <p:cNvSpPr/>
           <p:nvPr/>
@@ -8833,8 +8655,8 @@
                     <a:lumOff val="40000"/>
                   </a:schemeClr>
                 </a:solidFill>
-                <a:latin typeface="方正大黑_GBK" panose="03000509000000000000" pitchFamily="65" charset="-122"/>
-                <a:ea typeface="方正大黑_GBK" panose="03000509000000000000" pitchFamily="65" charset="-122"/>
+                <a:latin typeface="微软雅黑" panose="020B0503020204020204" pitchFamily="34" charset="-122"/>
+                <a:ea typeface="微软雅黑" panose="020B0503020204020204" pitchFamily="34" charset="-122"/>
               </a:rPr>
               <a:t>评价统计</a:t>
             </a:r>
@@ -8845,8 +8667,8 @@
                   <a:lumOff val="40000"/>
                 </a:schemeClr>
               </a:solidFill>
-              <a:latin typeface="方正大黑_GBK" panose="03000509000000000000" pitchFamily="65" charset="-122"/>
-              <a:ea typeface="方正大黑_GBK" panose="03000509000000000000" pitchFamily="65" charset="-122"/>
+              <a:latin typeface="微软雅黑" panose="020B0503020204020204" pitchFamily="34" charset="-122"/>
+              <a:ea typeface="微软雅黑" panose="020B0503020204020204" pitchFamily="34" charset="-122"/>
             </a:endParaRPr>
           </a:p>
         </p:txBody>
@@ -8970,6 +8792,97 @@
               <a:ea typeface="微软雅黑"/>
               <a:cs typeface="微软雅黑"/>
             </a:endParaRPr>
+          </a:p>
+        </p:txBody>
+      </p:sp>
+      <p:sp>
+        <p:nvSpPr>
+          <p:cNvPr id="10" name="矩形 9"/>
+          <p:cNvSpPr/>
+          <p:nvPr/>
+        </p:nvSpPr>
+        <p:spPr>
+          <a:xfrm>
+            <a:off x="410599" y="0"/>
+            <a:ext cx="1428825" cy="1041622"/>
+          </a:xfrm>
+          <a:prstGeom prst="rect">
+            <a:avLst/>
+          </a:prstGeom>
+          <a:solidFill>
+            <a:srgbClr val="219DC9"/>
+          </a:solidFill>
+          <a:ln>
+            <a:noFill/>
+          </a:ln>
+        </p:spPr>
+        <p:style>
+          <a:lnRef idx="2">
+            <a:schemeClr val="accent1">
+              <a:shade val="50000"/>
+            </a:schemeClr>
+          </a:lnRef>
+          <a:fillRef idx="1">
+            <a:schemeClr val="accent1"/>
+          </a:fillRef>
+          <a:effectRef idx="0">
+            <a:schemeClr val="accent1"/>
+          </a:effectRef>
+          <a:fontRef idx="minor">
+            <a:schemeClr val="lt1"/>
+          </a:fontRef>
+        </p:style>
+        <p:txBody>
+          <a:bodyPr rtlCol="0" anchor="ctr"/>
+          <a:lstStyle/>
+          <a:p>
+            <a:pPr algn="ctr"/>
+            <a:endParaRPr lang="zh-CN" altLang="en-US"/>
+          </a:p>
+        </p:txBody>
+      </p:sp>
+      <p:sp>
+        <p:nvSpPr>
+          <p:cNvPr id="11" name="矩形 10"/>
+          <p:cNvSpPr/>
+          <p:nvPr/>
+        </p:nvSpPr>
+        <p:spPr>
+          <a:xfrm>
+            <a:off x="446094" y="422506"/>
+            <a:ext cx="1393330" cy="646331"/>
+          </a:xfrm>
+          <a:prstGeom prst="rect">
+            <a:avLst/>
+          </a:prstGeom>
+        </p:spPr>
+        <p:txBody>
+          <a:bodyPr wrap="none">
+            <a:spAutoFit/>
+          </a:bodyPr>
+          <a:lstStyle/>
+          <a:p>
+            <a:r>
+              <a:rPr kumimoji="1" lang="zh-CN" altLang="en-US" sz="3600" b="1" dirty="0" smtClean="0">
+                <a:solidFill>
+                  <a:schemeClr val="bg1"/>
+                </a:solidFill>
+                <a:latin typeface="微软雅黑" panose="020B0503020204020204" pitchFamily="34" charset="-122"/>
+                <a:ea typeface="微软雅黑" panose="020B0503020204020204" pitchFamily="34" charset="-122"/>
+              </a:rPr>
+              <a:t>任务</a:t>
+            </a:r>
+            <a:r>
+              <a:rPr kumimoji="1" lang="en-US" altLang="zh-CN" sz="3600" b="1" dirty="0" smtClean="0">
+                <a:solidFill>
+                  <a:schemeClr val="bg1"/>
+                </a:solidFill>
+                <a:latin typeface="微软雅黑" panose="020B0503020204020204" pitchFamily="34" charset="-122"/>
+                <a:ea typeface="微软雅黑" panose="020B0503020204020204" pitchFamily="34" charset="-122"/>
+              </a:rPr>
+              <a:t>2</a:t>
+            </a:r>
+            <a:endParaRPr lang="zh-CN" altLang="en-US" dirty="0"/>
           </a:p>
         </p:txBody>
       </p:sp>
@@ -9056,14 +8969,61 @@
       </p:sp>
       <p:sp>
         <p:nvSpPr>
-          <p:cNvPr id="13" name="矩形 12"/>
+          <p:cNvPr id="19" name="矩形 18"/>
           <p:cNvSpPr/>
           <p:nvPr/>
         </p:nvSpPr>
         <p:spPr>
           <a:xfrm>
-            <a:off x="457200" y="117995"/>
-            <a:ext cx="1359897" cy="1068837"/>
+            <a:off x="2087185" y="473398"/>
+            <a:ext cx="2037737" cy="646331"/>
+          </a:xfrm>
+          <a:prstGeom prst="rect">
+            <a:avLst/>
+          </a:prstGeom>
+        </p:spPr>
+        <p:txBody>
+          <a:bodyPr wrap="none">
+            <a:spAutoFit/>
+          </a:bodyPr>
+          <a:lstStyle/>
+          <a:p>
+            <a:r>
+              <a:rPr kumimoji="1" lang="zh-CN" altLang="en-US" sz="3600" b="1" dirty="0" smtClean="0">
+                <a:solidFill>
+                  <a:schemeClr val="tx2">
+                    <a:lumMod val="60000"/>
+                    <a:lumOff val="40000"/>
+                  </a:schemeClr>
+                </a:solidFill>
+                <a:latin typeface="微软雅黑" panose="020B0503020204020204" pitchFamily="34" charset="-122"/>
+                <a:ea typeface="微软雅黑" panose="020B0503020204020204" pitchFamily="34" charset="-122"/>
+              </a:rPr>
+              <a:t>论文排序</a:t>
+            </a:r>
+            <a:endParaRPr kumimoji="1" lang="zh-CN" altLang="en-US" sz="3600" b="1" dirty="0">
+              <a:solidFill>
+                <a:schemeClr val="tx2">
+                  <a:lumMod val="60000"/>
+                  <a:lumOff val="40000"/>
+                </a:schemeClr>
+              </a:solidFill>
+              <a:latin typeface="微软雅黑" panose="020B0503020204020204" pitchFamily="34" charset="-122"/>
+              <a:ea typeface="微软雅黑" panose="020B0503020204020204" pitchFamily="34" charset="-122"/>
+            </a:endParaRPr>
+          </a:p>
+        </p:txBody>
+      </p:sp>
+      <p:sp>
+        <p:nvSpPr>
+          <p:cNvPr id="8" name="矩形 7"/>
+          <p:cNvSpPr/>
+          <p:nvPr/>
+        </p:nvSpPr>
+        <p:spPr>
+          <a:xfrm>
+            <a:off x="902978" y="1592729"/>
+            <a:ext cx="742587" cy="742587"/>
           </a:xfrm>
           <a:prstGeom prst="rect">
             <a:avLst/>
@@ -9096,117 +9056,29 @@
           <a:lstStyle/>
           <a:p>
             <a:pPr algn="ctr"/>
-            <a:endParaRPr lang="zh-CN" altLang="en-US"/>
-          </a:p>
-        </p:txBody>
-      </p:sp>
-      <p:sp>
-        <p:nvSpPr>
-          <p:cNvPr id="14" name="矩形 13"/>
+            <a:r>
+              <a:rPr lang="en-US" altLang="zh-CN" sz="3200" b="1" dirty="0" smtClean="0">
+                <a:latin typeface="微软雅黑" panose="020B0503020204020204" pitchFamily="34" charset="-122"/>
+                <a:ea typeface="微软雅黑" panose="020B0503020204020204" pitchFamily="34" charset="-122"/>
+              </a:rPr>
+              <a:t>1</a:t>
+            </a:r>
+            <a:endParaRPr lang="zh-CN" altLang="en-US" sz="3200" b="1" dirty="0">
+              <a:latin typeface="微软雅黑" panose="020B0503020204020204" pitchFamily="34" charset="-122"/>
+              <a:ea typeface="微软雅黑" panose="020B0503020204020204" pitchFamily="34" charset="-122"/>
+            </a:endParaRPr>
+          </a:p>
+        </p:txBody>
+      </p:sp>
+      <p:sp>
+        <p:nvSpPr>
+          <p:cNvPr id="9" name="矩形 8"/>
           <p:cNvSpPr/>
           <p:nvPr/>
         </p:nvSpPr>
         <p:spPr>
           <a:xfrm>
-            <a:off x="446094" y="422506"/>
-            <a:ext cx="1324402" cy="646331"/>
-          </a:xfrm>
-          <a:prstGeom prst="rect">
-            <a:avLst/>
-          </a:prstGeom>
-        </p:spPr>
-        <p:txBody>
-          <a:bodyPr wrap="none">
-            <a:spAutoFit/>
-          </a:bodyPr>
-          <a:lstStyle/>
-          <a:p>
-            <a:r>
-              <a:rPr kumimoji="1" lang="zh-CN" altLang="en-US" sz="3600" b="1" dirty="0" smtClean="0">
-                <a:solidFill>
-                  <a:schemeClr val="bg1"/>
-                </a:solidFill>
-                <a:latin typeface="方正大黑_GBK" panose="03000509000000000000" pitchFamily="65" charset="-122"/>
-                <a:ea typeface="方正大黑_GBK" panose="03000509000000000000" pitchFamily="65" charset="-122"/>
-              </a:rPr>
-              <a:t>任务</a:t>
-            </a:r>
-            <a:r>
-              <a:rPr kumimoji="1" lang="en-US" altLang="zh-CN" sz="3600" b="1" dirty="0" smtClean="0">
-                <a:solidFill>
-                  <a:schemeClr val="bg1"/>
-                </a:solidFill>
-                <a:latin typeface="方正大黑_GBK" panose="03000509000000000000" pitchFamily="65" charset="-122"/>
-                <a:ea typeface="方正大黑_GBK" panose="03000509000000000000" pitchFamily="65" charset="-122"/>
-              </a:rPr>
-              <a:t>3</a:t>
-            </a:r>
-            <a:endParaRPr kumimoji="1" lang="zh-CN" altLang="en-US" sz="3600" b="1" dirty="0">
-              <a:solidFill>
-                <a:schemeClr val="bg1"/>
-              </a:solidFill>
-              <a:latin typeface="方正大黑_GBK" panose="03000509000000000000" pitchFamily="65" charset="-122"/>
-              <a:ea typeface="方正大黑_GBK" panose="03000509000000000000" pitchFamily="65" charset="-122"/>
-            </a:endParaRPr>
-          </a:p>
-        </p:txBody>
-      </p:sp>
-      <p:sp>
-        <p:nvSpPr>
-          <p:cNvPr id="19" name="矩形 18"/>
-          <p:cNvSpPr/>
-          <p:nvPr/>
-        </p:nvSpPr>
-        <p:spPr>
-          <a:xfrm>
-            <a:off x="2087185" y="473398"/>
-            <a:ext cx="2037737" cy="646331"/>
-          </a:xfrm>
-          <a:prstGeom prst="rect">
-            <a:avLst/>
-          </a:prstGeom>
-        </p:spPr>
-        <p:txBody>
-          <a:bodyPr wrap="none">
-            <a:spAutoFit/>
-          </a:bodyPr>
-          <a:lstStyle/>
-          <a:p>
-            <a:r>
-              <a:rPr kumimoji="1" lang="zh-CN" altLang="en-US" sz="3600" b="1" dirty="0" smtClean="0">
-                <a:solidFill>
-                  <a:schemeClr val="tx2">
-                    <a:lumMod val="60000"/>
-                    <a:lumOff val="40000"/>
-                  </a:schemeClr>
-                </a:solidFill>
-                <a:latin typeface="方正大黑_GBK" panose="03000509000000000000" pitchFamily="65" charset="-122"/>
-                <a:ea typeface="方正大黑_GBK" panose="03000509000000000000" pitchFamily="65" charset="-122"/>
-              </a:rPr>
-              <a:t>论文排序</a:t>
-            </a:r>
-            <a:endParaRPr kumimoji="1" lang="zh-CN" altLang="en-US" sz="3600" b="1" dirty="0">
-              <a:solidFill>
-                <a:schemeClr val="tx2">
-                  <a:lumMod val="60000"/>
-                  <a:lumOff val="40000"/>
-                </a:schemeClr>
-              </a:solidFill>
-              <a:latin typeface="方正大黑_GBK" panose="03000509000000000000" pitchFamily="65" charset="-122"/>
-              <a:ea typeface="方正大黑_GBK" panose="03000509000000000000" pitchFamily="65" charset="-122"/>
-            </a:endParaRPr>
-          </a:p>
-        </p:txBody>
-      </p:sp>
-      <p:sp>
-        <p:nvSpPr>
-          <p:cNvPr id="8" name="矩形 7"/>
-          <p:cNvSpPr/>
-          <p:nvPr/>
-        </p:nvSpPr>
-        <p:spPr>
-          <a:xfrm>
-            <a:off x="902978" y="1592729"/>
+            <a:off x="902979" y="3435084"/>
             <a:ext cx="742587" cy="742587"/>
           </a:xfrm>
           <a:prstGeom prst="rect">
@@ -9245,62 +9117,6 @@
                 <a:latin typeface="微软雅黑" panose="020B0503020204020204" pitchFamily="34" charset="-122"/>
                 <a:ea typeface="微软雅黑" panose="020B0503020204020204" pitchFamily="34" charset="-122"/>
               </a:rPr>
-              <a:t>1</a:t>
-            </a:r>
-            <a:endParaRPr lang="zh-CN" altLang="en-US" sz="3200" b="1" dirty="0">
-              <a:latin typeface="微软雅黑" panose="020B0503020204020204" pitchFamily="34" charset="-122"/>
-              <a:ea typeface="微软雅黑" panose="020B0503020204020204" pitchFamily="34" charset="-122"/>
-            </a:endParaRPr>
-          </a:p>
-        </p:txBody>
-      </p:sp>
-      <p:sp>
-        <p:nvSpPr>
-          <p:cNvPr id="9" name="矩形 8"/>
-          <p:cNvSpPr/>
-          <p:nvPr/>
-        </p:nvSpPr>
-        <p:spPr>
-          <a:xfrm>
-            <a:off x="902979" y="3435084"/>
-            <a:ext cx="742587" cy="742587"/>
-          </a:xfrm>
-          <a:prstGeom prst="rect">
-            <a:avLst/>
-          </a:prstGeom>
-          <a:solidFill>
-            <a:srgbClr val="219DC9"/>
-          </a:solidFill>
-          <a:ln>
-            <a:noFill/>
-          </a:ln>
-        </p:spPr>
-        <p:style>
-          <a:lnRef idx="2">
-            <a:schemeClr val="accent1">
-              <a:shade val="50000"/>
-            </a:schemeClr>
-          </a:lnRef>
-          <a:fillRef idx="1">
-            <a:schemeClr val="accent1"/>
-          </a:fillRef>
-          <a:effectRef idx="0">
-            <a:schemeClr val="accent1"/>
-          </a:effectRef>
-          <a:fontRef idx="minor">
-            <a:schemeClr val="lt1"/>
-          </a:fontRef>
-        </p:style>
-        <p:txBody>
-          <a:bodyPr rtlCol="0" anchor="ctr"/>
-          <a:lstStyle/>
-          <a:p>
-            <a:pPr algn="ctr"/>
-            <a:r>
-              <a:rPr lang="en-US" altLang="zh-CN" sz="3200" b="1" dirty="0" smtClean="0">
-                <a:latin typeface="微软雅黑" panose="020B0503020204020204" pitchFamily="34" charset="-122"/>
-                <a:ea typeface="微软雅黑" panose="020B0503020204020204" pitchFamily="34" charset="-122"/>
-              </a:rPr>
               <a:t>2</a:t>
             </a:r>
             <a:endParaRPr lang="zh-CN" altLang="en-US" sz="3200" b="1" dirty="0">
@@ -9602,7 +9418,7 @@
         <p:spPr>
           <a:xfrm>
             <a:off x="2070446" y="2367125"/>
-            <a:ext cx="6282022" cy="646331"/>
+            <a:ext cx="7073554" cy="646331"/>
           </a:xfrm>
           <a:prstGeom prst="rect">
             <a:avLst/>
@@ -9631,9 +9447,9 @@
                 <a:solidFill>
                   <a:srgbClr val="219DC9"/>
                 </a:solidFill>
-                <a:latin typeface="微软雅黑"/>
+                <a:latin typeface="Courier New" panose="02070309020205020404" pitchFamily="49" charset="0"/>
                 <a:ea typeface="微软雅黑"/>
-                <a:cs typeface="微软雅黑"/>
+                <a:cs typeface="Courier New" panose="02070309020205020404" pitchFamily="49" charset="0"/>
               </a:rPr>
               <a:t>SortComparator</a:t>
             </a:r>
@@ -9641,75 +9457,75 @@
               <a:solidFill>
                 <a:srgbClr val="219DC9"/>
               </a:solidFill>
-              <a:latin typeface="微软雅黑"/>
+              <a:latin typeface="Courier New" panose="02070309020205020404" pitchFamily="49" charset="0"/>
               <a:ea typeface="微软雅黑"/>
-              <a:cs typeface="微软雅黑"/>
+              <a:cs typeface="Courier New" panose="02070309020205020404" pitchFamily="49" charset="0"/>
             </a:endParaRPr>
           </a:p>
           <a:p>
             <a:pPr lvl="1"/>
             <a:r>
-              <a:rPr kumimoji="1" lang="en-US" altLang="zh-CN" dirty="0" err="1">
+              <a:rPr kumimoji="1" lang="en-US" altLang="zh-CN" dirty="0" err="1" smtClean="0">
                 <a:solidFill>
                   <a:schemeClr val="accent1">
                     <a:lumMod val="50000"/>
                   </a:schemeClr>
                 </a:solidFill>
-                <a:latin typeface="微软雅黑"/>
+                <a:latin typeface="Courier New" panose="02070309020205020404" pitchFamily="49" charset="0"/>
                 <a:ea typeface="微软雅黑"/>
-                <a:cs typeface="微软雅黑"/>
+                <a:cs typeface="Courier New" panose="02070309020205020404" pitchFamily="49" charset="0"/>
               </a:rPr>
               <a:t>job.setSortComparatorClass</a:t>
             </a:r>
             <a:r>
-              <a:rPr kumimoji="1" lang="en-US" altLang="zh-CN" dirty="0">
+              <a:rPr kumimoji="1" lang="en-US" altLang="zh-CN" dirty="0" smtClean="0">
                 <a:solidFill>
                   <a:schemeClr val="accent1">
                     <a:lumMod val="50000"/>
                   </a:schemeClr>
                 </a:solidFill>
-                <a:latin typeface="微软雅黑"/>
+                <a:latin typeface="Courier New" panose="02070309020205020404" pitchFamily="49" charset="0"/>
                 <a:ea typeface="微软雅黑"/>
-                <a:cs typeface="微软雅黑"/>
+                <a:cs typeface="Courier New" panose="02070309020205020404" pitchFamily="49" charset="0"/>
               </a:rPr>
               <a:t>(</a:t>
             </a:r>
             <a:r>
-              <a:rPr kumimoji="1" lang="en-US" altLang="zh-CN" u="sng" dirty="0" err="1">
+              <a:rPr kumimoji="1" lang="en-US" altLang="zh-CN" u="sng" dirty="0" err="1" smtClean="0">
                 <a:solidFill>
                   <a:schemeClr val="accent1">
                     <a:lumMod val="50000"/>
                   </a:schemeClr>
                 </a:solidFill>
-                <a:latin typeface="微软雅黑"/>
+                <a:latin typeface="Courier New" panose="02070309020205020404" pitchFamily="49" charset="0"/>
                 <a:ea typeface="微软雅黑"/>
-                <a:cs typeface="微软雅黑"/>
+                <a:cs typeface="Courier New" panose="02070309020205020404" pitchFamily="49" charset="0"/>
               </a:rPr>
               <a:t>KeyComparator</a:t>
             </a:r>
             <a:r>
-              <a:rPr kumimoji="1" lang="en-US" altLang="zh-CN" dirty="0" err="1">
+              <a:rPr kumimoji="1" lang="en-US" altLang="zh-CN" dirty="0" err="1" smtClean="0">
                 <a:solidFill>
                   <a:schemeClr val="accent1">
                     <a:lumMod val="50000"/>
                   </a:schemeClr>
                 </a:solidFill>
-                <a:latin typeface="微软雅黑"/>
+                <a:latin typeface="Courier New" panose="02070309020205020404" pitchFamily="49" charset="0"/>
                 <a:ea typeface="微软雅黑"/>
-                <a:cs typeface="微软雅黑"/>
+                <a:cs typeface="Courier New" panose="02070309020205020404" pitchFamily="49" charset="0"/>
               </a:rPr>
               <a:t>.class</a:t>
             </a:r>
             <a:r>
-              <a:rPr kumimoji="1" lang="en-US" altLang="zh-CN" dirty="0">
+              <a:rPr kumimoji="1" lang="en-US" altLang="zh-CN" dirty="0" smtClean="0">
                 <a:solidFill>
                   <a:schemeClr val="accent1">
                     <a:lumMod val="50000"/>
                   </a:schemeClr>
                 </a:solidFill>
-                <a:latin typeface="微软雅黑"/>
+                <a:latin typeface="Courier New" panose="02070309020205020404" pitchFamily="49" charset="0"/>
                 <a:ea typeface="微软雅黑"/>
-                <a:cs typeface="微软雅黑"/>
+                <a:cs typeface="Courier New" panose="02070309020205020404" pitchFamily="49" charset="0"/>
               </a:rPr>
               <a:t>);</a:t>
             </a:r>
@@ -9719,9 +9535,9 @@
                   <a:lumMod val="50000"/>
                 </a:schemeClr>
               </a:solidFill>
-              <a:latin typeface="微软雅黑"/>
+              <a:latin typeface="Courier New" panose="02070309020205020404" pitchFamily="49" charset="0"/>
               <a:ea typeface="微软雅黑"/>
-              <a:cs typeface="微软雅黑"/>
+              <a:cs typeface="Courier New" panose="02070309020205020404" pitchFamily="49" charset="0"/>
             </a:endParaRPr>
           </a:p>
         </p:txBody>
@@ -9828,6 +9644,97 @@
           </a:prstGeom>
         </p:spPr>
       </p:pic>
+      <p:sp>
+        <p:nvSpPr>
+          <p:cNvPr id="15" name="矩形 14"/>
+          <p:cNvSpPr/>
+          <p:nvPr/>
+        </p:nvSpPr>
+        <p:spPr>
+          <a:xfrm>
+            <a:off x="410599" y="0"/>
+            <a:ext cx="1428825" cy="1041622"/>
+          </a:xfrm>
+          <a:prstGeom prst="rect">
+            <a:avLst/>
+          </a:prstGeom>
+          <a:solidFill>
+            <a:srgbClr val="219DC9"/>
+          </a:solidFill>
+          <a:ln>
+            <a:noFill/>
+          </a:ln>
+        </p:spPr>
+        <p:style>
+          <a:lnRef idx="2">
+            <a:schemeClr val="accent1">
+              <a:shade val="50000"/>
+            </a:schemeClr>
+          </a:lnRef>
+          <a:fillRef idx="1">
+            <a:schemeClr val="accent1"/>
+          </a:fillRef>
+          <a:effectRef idx="0">
+            <a:schemeClr val="accent1"/>
+          </a:effectRef>
+          <a:fontRef idx="minor">
+            <a:schemeClr val="lt1"/>
+          </a:fontRef>
+        </p:style>
+        <p:txBody>
+          <a:bodyPr rtlCol="0" anchor="ctr"/>
+          <a:lstStyle/>
+          <a:p>
+            <a:pPr algn="ctr"/>
+            <a:endParaRPr lang="zh-CN" altLang="en-US"/>
+          </a:p>
+        </p:txBody>
+      </p:sp>
+      <p:sp>
+        <p:nvSpPr>
+          <p:cNvPr id="17" name="矩形 16"/>
+          <p:cNvSpPr/>
+          <p:nvPr/>
+        </p:nvSpPr>
+        <p:spPr>
+          <a:xfrm>
+            <a:off x="446094" y="422506"/>
+            <a:ext cx="1393330" cy="646331"/>
+          </a:xfrm>
+          <a:prstGeom prst="rect">
+            <a:avLst/>
+          </a:prstGeom>
+        </p:spPr>
+        <p:txBody>
+          <a:bodyPr wrap="none">
+            <a:spAutoFit/>
+          </a:bodyPr>
+          <a:lstStyle/>
+          <a:p>
+            <a:r>
+              <a:rPr kumimoji="1" lang="zh-CN" altLang="en-US" sz="3600" b="1" dirty="0" smtClean="0">
+                <a:solidFill>
+                  <a:schemeClr val="bg1"/>
+                </a:solidFill>
+                <a:latin typeface="微软雅黑" panose="020B0503020204020204" pitchFamily="34" charset="-122"/>
+                <a:ea typeface="微软雅黑" panose="020B0503020204020204" pitchFamily="34" charset="-122"/>
+              </a:rPr>
+              <a:t>任务</a:t>
+            </a:r>
+            <a:r>
+              <a:rPr kumimoji="1" lang="en-US" altLang="zh-CN" sz="3600" b="1" dirty="0" smtClean="0">
+                <a:solidFill>
+                  <a:schemeClr val="bg1"/>
+                </a:solidFill>
+                <a:latin typeface="微软雅黑" panose="020B0503020204020204" pitchFamily="34" charset="-122"/>
+                <a:ea typeface="微软雅黑" panose="020B0503020204020204" pitchFamily="34" charset="-122"/>
+              </a:rPr>
+              <a:t>3</a:t>
+            </a:r>
+            <a:endParaRPr lang="zh-CN" altLang="en-US" dirty="0"/>
+          </a:p>
+        </p:txBody>
+      </p:sp>
     </p:spTree>
     <p:extLst>
       <p:ext uri="{BB962C8B-B14F-4D97-AF65-F5344CB8AC3E}">
